--- a/LectureSlides/01Intro.pptx
+++ b/LectureSlides/01Intro.pptx
@@ -38,31 +38,31 @@
     <p:sldId id="278" r:id="rId32"/>
     <p:sldId id="279" r:id="rId33"/>
     <p:sldId id="280" r:id="rId34"/>
-    <p:sldId id="281" r:id="rId35"/>
-    <p:sldId id="282" r:id="rId36"/>
-    <p:sldId id="283" r:id="rId37"/>
-    <p:sldId id="284" r:id="rId38"/>
-    <p:sldId id="286" r:id="rId39"/>
-    <p:sldId id="285" r:id="rId40"/>
-    <p:sldId id="287" r:id="rId41"/>
-    <p:sldId id="399" r:id="rId42"/>
-    <p:sldId id="398" r:id="rId43"/>
-    <p:sldId id="360" r:id="rId44"/>
-    <p:sldId id="388" r:id="rId45"/>
-    <p:sldId id="297" r:id="rId46"/>
-    <p:sldId id="296" r:id="rId47"/>
-    <p:sldId id="400" r:id="rId48"/>
-    <p:sldId id="401" r:id="rId49"/>
-    <p:sldId id="402" r:id="rId50"/>
-    <p:sldId id="403" r:id="rId51"/>
-    <p:sldId id="404" r:id="rId52"/>
-    <p:sldId id="405" r:id="rId53"/>
-    <p:sldId id="389" r:id="rId54"/>
-    <p:sldId id="390" r:id="rId55"/>
-    <p:sldId id="391" r:id="rId56"/>
-    <p:sldId id="392" r:id="rId57"/>
-    <p:sldId id="407" r:id="rId58"/>
-    <p:sldId id="393" r:id="rId59"/>
+    <p:sldId id="287" r:id="rId35"/>
+    <p:sldId id="399" r:id="rId36"/>
+    <p:sldId id="398" r:id="rId37"/>
+    <p:sldId id="360" r:id="rId38"/>
+    <p:sldId id="388" r:id="rId39"/>
+    <p:sldId id="297" r:id="rId40"/>
+    <p:sldId id="296" r:id="rId41"/>
+    <p:sldId id="400" r:id="rId42"/>
+    <p:sldId id="401" r:id="rId43"/>
+    <p:sldId id="402" r:id="rId44"/>
+    <p:sldId id="403" r:id="rId45"/>
+    <p:sldId id="404" r:id="rId46"/>
+    <p:sldId id="405" r:id="rId47"/>
+    <p:sldId id="389" r:id="rId48"/>
+    <p:sldId id="390" r:id="rId49"/>
+    <p:sldId id="391" r:id="rId50"/>
+    <p:sldId id="392" r:id="rId51"/>
+    <p:sldId id="407" r:id="rId52"/>
+    <p:sldId id="393" r:id="rId53"/>
+    <p:sldId id="281" r:id="rId54"/>
+    <p:sldId id="282" r:id="rId55"/>
+    <p:sldId id="283" r:id="rId56"/>
+    <p:sldId id="284" r:id="rId57"/>
+    <p:sldId id="286" r:id="rId58"/>
+    <p:sldId id="285" r:id="rId59"/>
   </p:sldIdLst>
   <p:sldSz cx="12192000" cy="6858000"/>
   <p:notesSz cx="6858000" cy="9144000"/>
@@ -395,7 +395,7 @@
           <a:p>
             <a:fld id="{DF0DA02A-3D36-4521-B995-F6A931B35345}" type="datetimeFigureOut">
               <a:rPr lang="en-US" smtClean="0"/>
-              <a:t>8/24/2023</a:t>
+              <a:t>8/25/2023</a:t>
             </a:fld>
             <a:endParaRPr lang="en-US"/>
           </a:p>
@@ -603,7 +603,7 @@
           <a:p>
             <a:fld id="{DF0DA02A-3D36-4521-B995-F6A931B35345}" type="datetimeFigureOut">
               <a:rPr lang="en-US" smtClean="0"/>
-              <a:t>8/24/2023</a:t>
+              <a:t>8/25/2023</a:t>
             </a:fld>
             <a:endParaRPr lang="en-US"/>
           </a:p>
@@ -859,7 +859,7 @@
           <a:p>
             <a:fld id="{DF0DA02A-3D36-4521-B995-F6A931B35345}" type="datetimeFigureOut">
               <a:rPr lang="en-US" smtClean="0"/>
-              <a:t>8/24/2023</a:t>
+              <a:t>8/25/2023</a:t>
             </a:fld>
             <a:endParaRPr lang="en-US"/>
           </a:p>
@@ -1029,7 +1029,7 @@
           <a:p>
             <a:fld id="{DF0DA02A-3D36-4521-B995-F6A931B35345}" type="datetimeFigureOut">
               <a:rPr lang="en-US" smtClean="0"/>
-              <a:t>8/24/2023</a:t>
+              <a:t>8/25/2023</a:t>
             </a:fld>
             <a:endParaRPr lang="en-US"/>
           </a:p>
@@ -1372,7 +1372,7 @@
           <a:p>
             <a:fld id="{DF0DA02A-3D36-4521-B995-F6A931B35345}" type="datetimeFigureOut">
               <a:rPr lang="en-US" smtClean="0"/>
-              <a:t>8/24/2023</a:t>
+              <a:t>8/25/2023</a:t>
             </a:fld>
             <a:endParaRPr lang="en-US"/>
           </a:p>
@@ -1647,7 +1647,7 @@
           <a:p>
             <a:fld id="{DF0DA02A-3D36-4521-B995-F6A931B35345}" type="datetimeFigureOut">
               <a:rPr lang="en-US" smtClean="0"/>
-              <a:t>8/24/2023</a:t>
+              <a:t>8/25/2023</a:t>
             </a:fld>
             <a:endParaRPr lang="en-US"/>
           </a:p>
@@ -2026,7 +2026,7 @@
           <a:p>
             <a:fld id="{DF0DA02A-3D36-4521-B995-F6A931B35345}" type="datetimeFigureOut">
               <a:rPr lang="en-US" smtClean="0"/>
-              <a:t>8/24/2023</a:t>
+              <a:t>8/25/2023</a:t>
             </a:fld>
             <a:endParaRPr lang="en-US"/>
           </a:p>
@@ -2144,7 +2144,7 @@
           <a:p>
             <a:fld id="{DF0DA02A-3D36-4521-B995-F6A931B35345}" type="datetimeFigureOut">
               <a:rPr lang="en-US" smtClean="0"/>
-              <a:t>8/24/2023</a:t>
+              <a:t>8/25/2023</a:t>
             </a:fld>
             <a:endParaRPr lang="en-US"/>
           </a:p>
@@ -2315,7 +2315,7 @@
           <a:p>
             <a:fld id="{DF0DA02A-3D36-4521-B995-F6A931B35345}" type="datetimeFigureOut">
               <a:rPr lang="en-US" smtClean="0"/>
-              <a:t>8/24/2023</a:t>
+              <a:t>8/25/2023</a:t>
             </a:fld>
             <a:endParaRPr lang="en-US"/>
           </a:p>
@@ -2669,7 +2669,7 @@
           <a:p>
             <a:fld id="{DF0DA02A-3D36-4521-B995-F6A931B35345}" type="datetimeFigureOut">
               <a:rPr lang="en-US" smtClean="0"/>
-              <a:t>8/24/2023</a:t>
+              <a:t>8/25/2023</a:t>
             </a:fld>
             <a:endParaRPr lang="en-US"/>
           </a:p>
@@ -3046,7 +3046,7 @@
           <a:p>
             <a:fld id="{DF0DA02A-3D36-4521-B995-F6A931B35345}" type="datetimeFigureOut">
               <a:rPr lang="en-US" smtClean="0"/>
-              <a:t>8/24/2023</a:t>
+              <a:t>8/25/2023</a:t>
             </a:fld>
             <a:endParaRPr lang="en-US"/>
           </a:p>
@@ -3333,7 +3333,7 @@
           <a:p>
             <a:fld id="{DF0DA02A-3D36-4521-B995-F6A931B35345}" type="datetimeFigureOut">
               <a:rPr lang="en-US" smtClean="0"/>
-              <a:t>8/24/2023</a:t>
+              <a:t>8/25/2023</a:t>
             </a:fld>
             <a:endParaRPr lang="en-US"/>
           </a:p>
@@ -13158,7 +13158,7 @@
           <p:cNvPr id="2" name="Title 1">
             <a:extLst>
               <a:ext uri="{FF2B5EF4-FFF2-40B4-BE49-F238E27FC236}">
-                <a16:creationId xmlns:a16="http://schemas.microsoft.com/office/drawing/2014/main" id="{6998C686-D12B-B8DD-0063-CD709BA9E3FE}"/>
+                <a16:creationId xmlns:a16="http://schemas.microsoft.com/office/drawing/2014/main" id="{8E29F382-9730-C78A-6882-46185C98299D}"/>
               </a:ext>
             </a:extLst>
           </p:cNvPr>
@@ -13176,7 +13176,7 @@
           <a:p>
             <a:r>
               <a:rPr lang="en-US" dirty="0"/>
-              <a:t>Action Items</a:t>
+              <a:t>Part 2: What is a Programming Language?</a:t>
             </a:r>
           </a:p>
         </p:txBody>
@@ -13186,7 +13186,7 @@
           <p:cNvPr id="3" name="Content Placeholder 2">
             <a:extLst>
               <a:ext uri="{FF2B5EF4-FFF2-40B4-BE49-F238E27FC236}">
-                <a16:creationId xmlns:a16="http://schemas.microsoft.com/office/drawing/2014/main" id="{F91AFD6F-E1ED-495E-5E10-51E5FD654A78}"/>
+                <a16:creationId xmlns:a16="http://schemas.microsoft.com/office/drawing/2014/main" id="{1B4FF26E-98A2-E5DF-BC98-FD8855ADA8A4}"/>
               </a:ext>
             </a:extLst>
           </p:cNvPr>
@@ -13204,57 +13204,57 @@
           <a:p>
             <a:r>
               <a:rPr lang="en-US" dirty="0"/>
-              <a:t>Things you should do:</a:t>
-            </a:r>
-          </a:p>
-          <a:p>
-            <a:pPr marL="457200" indent="-457200">
-              <a:buFont typeface="+mj-lt"/>
-              <a:buAutoNum type="arabicPeriod"/>
-            </a:pPr>
-            <a:r>
-              <a:rPr lang="en-US" dirty="0"/>
-              <a:t>Access the textbook online and do the readings for each lecture</a:t>
-            </a:r>
-          </a:p>
-          <a:p>
-            <a:pPr marL="457200" indent="-457200">
-              <a:buFont typeface="+mj-lt"/>
-              <a:buAutoNum type="arabicPeriod"/>
-            </a:pPr>
-            <a:r>
-              <a:rPr lang="en-US" dirty="0"/>
-              <a:t>Ensure you are on the Canvas site for the course; get familiar with it</a:t>
-            </a:r>
-          </a:p>
-          <a:p>
-            <a:pPr marL="457200" indent="-457200">
-              <a:buFont typeface="+mj-lt"/>
-              <a:buAutoNum type="arabicPeriod"/>
-            </a:pPr>
-            <a:r>
-              <a:rPr lang="en-US" dirty="0"/>
-              <a:t>Ensure you are on the Slack for the course; check it regularly for announcements</a:t>
-            </a:r>
-          </a:p>
-          <a:p>
-            <a:pPr marL="457200" indent="-457200">
-              <a:buFont typeface="+mj-lt"/>
-              <a:buAutoNum type="arabicPeriod"/>
-            </a:pPr>
-            <a:r>
-              <a:rPr lang="en-US" dirty="0"/>
-              <a:t>Get started on HW1</a:t>
-            </a:r>
-          </a:p>
-          <a:p>
-            <a:pPr marL="749808" lvl="1" indent="-457200">
-              <a:buFont typeface="+mj-lt"/>
-              <a:buAutoNum type="arabicPeriod"/>
-            </a:pPr>
-            <a:r>
-              <a:rPr lang="en-US" dirty="0"/>
-              <a:t>As part of HW1, you will install the Rust programming language</a:t>
+              <a:t>Outline:</a:t>
+            </a:r>
+          </a:p>
+          <a:p>
+            <a:pPr lvl="1"/>
+            <a:r>
+              <a:rPr lang="en-US" dirty="0"/>
+              <a:t>Reiterate why it’s worth studying PLs</a:t>
+            </a:r>
+          </a:p>
+          <a:p>
+            <a:pPr lvl="1"/>
+            <a:r>
+              <a:rPr lang="en-US" dirty="0"/>
+              <a:t>Discuss </a:t>
+            </a:r>
+            <a:r>
+              <a:rPr lang="en-US" i="1" dirty="0"/>
+              <a:t>what</a:t>
+            </a:r>
+            <a:r>
+              <a:rPr lang="en-US" dirty="0"/>
+              <a:t> about PLs should be taught in a course</a:t>
+            </a:r>
+          </a:p>
+          <a:p>
+            <a:pPr lvl="1"/>
+            <a:r>
+              <a:rPr lang="en-US" dirty="0"/>
+              <a:t>Discuss the idea of a PL Zoo</a:t>
+            </a:r>
+          </a:p>
+          <a:p>
+            <a:pPr lvl="1"/>
+            <a:r>
+              <a:rPr lang="en-US" dirty="0"/>
+              <a:t>We structure the course around people instead – “archetypes”</a:t>
+            </a:r>
+          </a:p>
+          <a:p>
+            <a:pPr lvl="1"/>
+            <a:r>
+              <a:rPr lang="en-US" dirty="0"/>
+              <a:t>Learn who the 5 archetypes are</a:t>
+            </a:r>
+          </a:p>
+          <a:p>
+            <a:pPr lvl="1"/>
+            <a:r>
+              <a:rPr lang="en-US" dirty="0"/>
+              <a:t>Outline the stages of a PL implementation</a:t>
             </a:r>
           </a:p>
         </p:txBody>
@@ -13262,7 +13262,7 @@
     </p:spTree>
     <p:extLst>
       <p:ext uri="{BB962C8B-B14F-4D97-AF65-F5344CB8AC3E}">
-        <p14:creationId xmlns:p14="http://schemas.microsoft.com/office/powerpoint/2010/main" val="3870325192"/>
+        <p14:creationId xmlns:p14="http://schemas.microsoft.com/office/powerpoint/2010/main" val="957818073"/>
       </p:ext>
     </p:extLst>
   </p:cSld>
@@ -13291,10 +13291,134 @@
       </p:grpSpPr>
       <p:sp>
         <p:nvSpPr>
-          <p:cNvPr id="2" name="Title 1">
+          <p:cNvPr id="2" name="Title 1"/>
+          <p:cNvSpPr>
+            <a:spLocks noGrp="1"/>
+          </p:cNvSpPr>
+          <p:nvPr>
+            <p:ph type="title"/>
+          </p:nvPr>
+        </p:nvSpPr>
+        <p:spPr/>
+        <p:txBody>
+          <a:bodyPr>
+            <a:normAutofit/>
+          </a:bodyPr>
+          <a:lstStyle/>
+          <a:p>
+            <a:r>
+              <a:rPr lang="en-US" dirty="0"/>
+              <a:t>PLs Are All Around You</a:t>
+            </a:r>
+          </a:p>
+        </p:txBody>
+      </p:sp>
+      <p:sp>
+        <p:nvSpPr>
+          <p:cNvPr id="3" name="Content Placeholder 2"/>
+          <p:cNvSpPr>
+            <a:spLocks noGrp="1"/>
+          </p:cNvSpPr>
+          <p:nvPr>
+            <p:ph idx="1"/>
+          </p:nvPr>
+        </p:nvSpPr>
+        <p:spPr/>
+        <p:txBody>
+          <a:bodyPr>
+            <a:normAutofit/>
+          </a:bodyPr>
+          <a:lstStyle/>
+          <a:p>
+            <a:r>
+              <a:rPr lang="en-US" b="1" dirty="0"/>
+              <a:t>Domain-specific languages are common &amp; growing!</a:t>
+            </a:r>
+          </a:p>
+          <a:p>
+            <a:pPr lvl="1"/>
+            <a:r>
+              <a:rPr lang="en-US" dirty="0"/>
+              <a:t>Graphic shaders, macro languages, permission policies</a:t>
+            </a:r>
+          </a:p>
+          <a:p>
+            <a:r>
+              <a:rPr lang="en-US" b="1" dirty="0"/>
+              <a:t>Many things are secretly languages!</a:t>
+            </a:r>
+            <a:endParaRPr lang="en-US" dirty="0"/>
+          </a:p>
+          <a:p>
+            <a:pPr lvl="1"/>
+            <a:r>
+              <a:rPr lang="en-US" dirty="0"/>
+              <a:t>Spreadsheets, email filters, config files, </a:t>
+            </a:r>
+            <a:r>
+              <a:rPr lang="en-US" dirty="0" err="1"/>
+              <a:t>video+sound</a:t>
+            </a:r>
+            <a:r>
+              <a:rPr lang="en-US" dirty="0"/>
+              <a:t> editor effects</a:t>
+            </a:r>
+          </a:p>
+          <a:p>
+            <a:r>
+              <a:rPr lang="en-US" b="1" dirty="0"/>
+              <a:t>You will probably build or use one of these</a:t>
+            </a:r>
+            <a:endParaRPr lang="en-US" dirty="0"/>
+          </a:p>
+          <a:p>
+            <a:pPr lvl="1"/>
+            <a:r>
+              <a:rPr lang="en-US" dirty="0"/>
+              <a:t>Most of us will not write C or Java compilers for a living</a:t>
+            </a:r>
+          </a:p>
+          <a:p>
+            <a:pPr lvl="1"/>
+            <a:r>
+              <a:rPr lang="en-US" dirty="0"/>
+              <a:t>Many of us will write big programs</a:t>
+            </a:r>
+          </a:p>
+          <a:p>
+            <a:r>
+              <a:rPr lang="en-US" b="1" dirty="0"/>
+              <a:t>Little languages are a good program design approach!</a:t>
+            </a:r>
+          </a:p>
+          <a:p>
+            <a:pPr lvl="1"/>
+            <a:r>
+              <a:rPr lang="en-US" dirty="0"/>
+              <a:t>Programming language theory: Every valid program “works”</a:t>
+            </a:r>
+          </a:p>
+          <a:p>
+            <a:pPr lvl="1"/>
+            <a:r>
+              <a:rPr lang="en-US" dirty="0"/>
+              <a:t>Little languages: Every input from the user “works”</a:t>
+            </a:r>
+          </a:p>
+          <a:p>
+            <a:pPr marL="0" indent="0">
+              <a:buNone/>
+            </a:pPr>
+            <a:endParaRPr lang="en-US" dirty="0"/>
+          </a:p>
+        </p:txBody>
+      </p:sp>
+      <p:sp>
+        <p:nvSpPr>
+          <p:cNvPr id="4" name="Slide Number Placeholder 3">
             <a:extLst>
               <a:ext uri="{FF2B5EF4-FFF2-40B4-BE49-F238E27FC236}">
-                <a16:creationId xmlns:a16="http://schemas.microsoft.com/office/drawing/2014/main" id="{3E8590BF-8A23-D7C5-C282-93B398833F48}"/>
+                <a16:creationId xmlns:a16="http://schemas.microsoft.com/office/drawing/2014/main" id="{96AE7983-5CB6-6544-AAAB-89D446DE938C}"/>
               </a:ext>
             </a:extLst>
           </p:cNvPr>
@@ -13302,7 +13426,7 @@
             <a:spLocks noGrp="1"/>
           </p:cNvSpPr>
           <p:nvPr>
-            <p:ph type="title"/>
+            <p:ph type="sldNum" sz="quarter" idx="12"/>
           </p:nvPr>
         </p:nvSpPr>
         <p:spPr/>
@@ -13310,73 +13434,18 @@
           <a:bodyPr/>
           <a:lstStyle/>
           <a:p>
-            <a:r>
-              <a:rPr lang="en-US" dirty="0"/>
-              <a:t>Textbook</a:t>
-            </a:r>
-          </a:p>
-        </p:txBody>
-      </p:sp>
-      <p:sp>
-        <p:nvSpPr>
-          <p:cNvPr id="3" name="Content Placeholder 2">
-            <a:extLst>
-              <a:ext uri="{FF2B5EF4-FFF2-40B4-BE49-F238E27FC236}">
-                <a16:creationId xmlns:a16="http://schemas.microsoft.com/office/drawing/2014/main" id="{E0E46DE0-5813-C213-B526-EEC9852C4716}"/>
-              </a:ext>
-            </a:extLst>
-          </p:cNvPr>
-          <p:cNvSpPr>
-            <a:spLocks noGrp="1"/>
-          </p:cNvSpPr>
-          <p:nvPr>
-            <p:ph idx="1"/>
-          </p:nvPr>
-        </p:nvSpPr>
-        <p:spPr/>
-        <p:txBody>
-          <a:bodyPr/>
-          <a:lstStyle/>
-          <a:p>
-            <a:r>
-              <a:rPr lang="en-US" dirty="0"/>
-              <a:t>I wrote a textbook specifically for this course: “Human-Centered Programming Languages”</a:t>
-            </a:r>
-          </a:p>
-          <a:p>
-            <a:r>
-              <a:rPr lang="en-US" dirty="0"/>
-              <a:t>It is the first truly interdisciplinary PL textbook, with significant focus on how to perform user studies, design for the full diversity of programmer populations, and theorize social impacts. It is an academically-rigorous book with extensive references to the latest research literature</a:t>
-            </a:r>
-          </a:p>
-          <a:p>
-            <a:r>
-              <a:rPr lang="en-US" dirty="0"/>
-              <a:t>It is open-access, available free-of-charge at </a:t>
-            </a:r>
-            <a:r>
-              <a:rPr lang="en-US" dirty="0">
-                <a:hlinkClick r:id="rId2"/>
-              </a:rPr>
-              <a:t>https://bookish.press/hcpl</a:t>
-            </a:r>
-            <a:endParaRPr lang="en-US" dirty="0"/>
-          </a:p>
-          <a:p>
-            <a:r>
-              <a:rPr lang="en-US" dirty="0"/>
-              <a:t>I used a precursor of this book to teach CS 536 in Spring 2023. The book has doubled in length since that time. Though some planned changes remain, it is quite extensive and ready for use</a:t>
-            </a:r>
-          </a:p>
-          <a:p>
-            <a:endParaRPr lang="en-US" dirty="0"/>
+            <a:fld id="{10ECF3B1-E919-6247-9AAC-9DBE0AD69C0A}" type="slidenum">
+              <a:rPr lang="en-US" smtClean="0"/>
+              <a:t>35</a:t>
+            </a:fld>
+            <a:endParaRPr lang="en-US"/>
           </a:p>
         </p:txBody>
       </p:sp>
     </p:spTree>
     <p:extLst>
       <p:ext uri="{BB962C8B-B14F-4D97-AF65-F5344CB8AC3E}">
-        <p14:creationId xmlns:p14="http://schemas.microsoft.com/office/powerpoint/2010/main" val="3298114726"/>
+        <p14:creationId xmlns:p14="http://schemas.microsoft.com/office/powerpoint/2010/main" val="2541440744"/>
       </p:ext>
     </p:extLst>
   </p:cSld>
@@ -13408,7 +13477,7 @@
           <p:cNvPr id="2" name="Title 1">
             <a:extLst>
               <a:ext uri="{FF2B5EF4-FFF2-40B4-BE49-F238E27FC236}">
-                <a16:creationId xmlns:a16="http://schemas.microsoft.com/office/drawing/2014/main" id="{3AD8A909-6472-9586-56AD-DC33F0F03A72}"/>
+                <a16:creationId xmlns:a16="http://schemas.microsoft.com/office/drawing/2014/main" id="{82287B95-4784-4879-900E-0C41E802417D}"/>
               </a:ext>
             </a:extLst>
           </p:cNvPr>
@@ -13425,8 +13494,8 @@
           <a:lstStyle/>
           <a:p>
             <a:r>
-              <a:rPr lang="en-US" dirty="0"/>
-              <a:t>Canvas</a:t>
+              <a:rPr lang="en-US" b="1" dirty="0"/>
+              <a:t>Discussion: What’s Important About PLs?</a:t>
             </a:r>
           </a:p>
         </p:txBody>
@@ -13436,7 +13505,7 @@
           <p:cNvPr id="3" name="Content Placeholder 2">
             <a:extLst>
               <a:ext uri="{FF2B5EF4-FFF2-40B4-BE49-F238E27FC236}">
-                <a16:creationId xmlns:a16="http://schemas.microsoft.com/office/drawing/2014/main" id="{4F442ADD-966D-8BBF-C060-73B90060133E}"/>
+                <a16:creationId xmlns:a16="http://schemas.microsoft.com/office/drawing/2014/main" id="{67385276-4608-4147-8739-BE59DF6AF300}"/>
               </a:ext>
             </a:extLst>
           </p:cNvPr>
@@ -13454,32 +13523,89 @@
           <a:p>
             <a:r>
               <a:rPr lang="en-US" dirty="0"/>
-              <a:t>Slides will be posted on Canvas</a:t>
-            </a:r>
-          </a:p>
-          <a:p>
-            <a:r>
-              <a:rPr lang="en-US" dirty="0"/>
-              <a:t>Homework handouts are distributed on Canvas</a:t>
-            </a:r>
-          </a:p>
-          <a:p>
-            <a:r>
-              <a:rPr lang="en-US" dirty="0"/>
-              <a:t>Homework solutions are submitted on Canvas and graded through </a:t>
-            </a:r>
-            <a:r>
-              <a:rPr lang="en-US" dirty="0" err="1"/>
-              <a:t>Gradescope</a:t>
+              <a:t>As a group, let’s come up with (one) list of programming language </a:t>
+            </a:r>
+            <a:r>
+              <a:rPr lang="en-US" b="1" dirty="0"/>
+              <a:t>concepts</a:t>
+            </a:r>
+            <a:r>
+              <a:rPr lang="en-US" dirty="0"/>
+              <a:t>, </a:t>
+            </a:r>
+            <a:r>
+              <a:rPr lang="en-US" b="1" dirty="0"/>
+              <a:t>topics</a:t>
+            </a:r>
+            <a:r>
+              <a:rPr lang="en-US" dirty="0"/>
+              <a:t>, and </a:t>
+            </a:r>
+            <a:r>
+              <a:rPr lang="en-US" b="1" dirty="0"/>
+              <a:t>paradigms </a:t>
+            </a:r>
+          </a:p>
+          <a:p>
+            <a:endParaRPr lang="en-US" b="1" dirty="0"/>
+          </a:p>
+          <a:p>
+            <a:endParaRPr lang="en-US" b="1" dirty="0"/>
+          </a:p>
+          <a:p>
+            <a:endParaRPr lang="en-US" b="1" dirty="0"/>
+          </a:p>
+          <a:p>
+            <a:endParaRPr lang="en-US" b="1" dirty="0"/>
+          </a:p>
+          <a:p>
+            <a:endParaRPr lang="en-US" b="1" dirty="0"/>
+          </a:p>
+          <a:p>
+            <a:endParaRPr lang="en-US" b="1" dirty="0"/>
+          </a:p>
+          <a:p>
+            <a:r>
+              <a:rPr lang="en-US" b="1" dirty="0"/>
+              <a:t>With that in mind… How to design a course?</a:t>
             </a:r>
             <a:endParaRPr lang="en-US" dirty="0"/>
+          </a:p>
+        </p:txBody>
+      </p:sp>
+      <p:sp>
+        <p:nvSpPr>
+          <p:cNvPr id="4" name="Slide Number Placeholder 3">
+            <a:extLst>
+              <a:ext uri="{FF2B5EF4-FFF2-40B4-BE49-F238E27FC236}">
+                <a16:creationId xmlns:a16="http://schemas.microsoft.com/office/drawing/2014/main" id="{CA7C3112-CBE4-404A-BFE0-25C67E9D7FBB}"/>
+              </a:ext>
+            </a:extLst>
+          </p:cNvPr>
+          <p:cNvSpPr>
+            <a:spLocks noGrp="1"/>
+          </p:cNvSpPr>
+          <p:nvPr>
+            <p:ph type="sldNum" sz="quarter" idx="12"/>
+          </p:nvPr>
+        </p:nvSpPr>
+        <p:spPr/>
+        <p:txBody>
+          <a:bodyPr/>
+          <a:lstStyle/>
+          <a:p>
+            <a:fld id="{35FEF863-E852-4BEF-80E4-638F599BECAC}" type="slidenum">
+              <a:rPr lang="en-US" smtClean="0"/>
+              <a:t>36</a:t>
+            </a:fld>
+            <a:endParaRPr lang="en-US"/>
           </a:p>
         </p:txBody>
       </p:sp>
     </p:spTree>
     <p:extLst>
       <p:ext uri="{BB962C8B-B14F-4D97-AF65-F5344CB8AC3E}">
-        <p14:creationId xmlns:p14="http://schemas.microsoft.com/office/powerpoint/2010/main" val="3405363406"/>
+        <p14:creationId xmlns:p14="http://schemas.microsoft.com/office/powerpoint/2010/main" val="2019864521"/>
       </p:ext>
     </p:extLst>
   </p:cSld>
@@ -13511,7 +13637,7 @@
           <p:cNvPr id="2" name="Title 1">
             <a:extLst>
               <a:ext uri="{FF2B5EF4-FFF2-40B4-BE49-F238E27FC236}">
-                <a16:creationId xmlns:a16="http://schemas.microsoft.com/office/drawing/2014/main" id="{CA09751B-F4DE-274F-B5D5-72693D7E97ED}"/>
+                <a16:creationId xmlns:a16="http://schemas.microsoft.com/office/drawing/2014/main" id="{0C0AD39C-3EB1-C146-A4AA-940A83FC59EF}"/>
               </a:ext>
             </a:extLst>
           </p:cNvPr>
@@ -13529,7 +13655,7 @@
           <a:p>
             <a:r>
               <a:rPr lang="en-US" dirty="0"/>
-              <a:t>Slack</a:t>
+              <a:t>Approach 1: Tour of Languages</a:t>
             </a:r>
           </a:p>
         </p:txBody>
@@ -13539,7 +13665,7 @@
           <p:cNvPr id="3" name="Content Placeholder 2">
             <a:extLst>
               <a:ext uri="{FF2B5EF4-FFF2-40B4-BE49-F238E27FC236}">
-                <a16:creationId xmlns:a16="http://schemas.microsoft.com/office/drawing/2014/main" id="{870C71D3-E9C1-1E18-68EF-42A8147D4136}"/>
+                <a16:creationId xmlns:a16="http://schemas.microsoft.com/office/drawing/2014/main" id="{F1D5483C-4786-0D4A-A0CA-431DDC734BD5}"/>
               </a:ext>
             </a:extLst>
           </p:cNvPr>
@@ -13552,26 +13678,128 @@
         </p:nvSpPr>
         <p:spPr/>
         <p:txBody>
+          <a:bodyPr>
+            <a:normAutofit/>
+          </a:bodyPr>
+          <a:lstStyle/>
+          <a:p>
+            <a:r>
+              <a:rPr lang="en-US" b="1" dirty="0"/>
+              <a:t>Three “Traditional” Paradigms:</a:t>
+            </a:r>
+          </a:p>
+          <a:p>
+            <a:pPr lvl="1"/>
+            <a:r>
+              <a:rPr lang="en-US" dirty="0"/>
+              <a:t>Imperative: commands change state. (Ex: C, Java)</a:t>
+            </a:r>
+          </a:p>
+          <a:p>
+            <a:pPr lvl="1"/>
+            <a:r>
+              <a:rPr lang="en-US" dirty="0"/>
+              <a:t>Functional: use functions, evaluate to values. (Ex: Lisp, Haskell)</a:t>
+            </a:r>
+          </a:p>
+          <a:p>
+            <a:pPr lvl="1"/>
+            <a:r>
+              <a:rPr lang="en-US" dirty="0"/>
+              <a:t>Logic: running code = searching for proofs (Ex: Prolog)</a:t>
+            </a:r>
+          </a:p>
+          <a:p>
+            <a:r>
+              <a:rPr lang="en-US" dirty="0"/>
+              <a:t>”Pseudo-paradigms”:</a:t>
+            </a:r>
+          </a:p>
+          <a:p>
+            <a:pPr lvl="1"/>
+            <a:r>
+              <a:rPr lang="en-US" dirty="0"/>
+              <a:t>Object-oriented</a:t>
+            </a:r>
+          </a:p>
+          <a:p>
+            <a:pPr lvl="1"/>
+            <a:r>
+              <a:rPr lang="en-US" dirty="0"/>
+              <a:t>Scripting languages (we don’t talk about these)</a:t>
+            </a:r>
+          </a:p>
+          <a:p>
+            <a:r>
+              <a:rPr lang="en-US" b="1" dirty="0"/>
+              <a:t>Limitation:</a:t>
+            </a:r>
+            <a:r>
+              <a:rPr lang="en-US" dirty="0"/>
+              <a:t> these labels have been criticized as unhelpful</a:t>
+            </a:r>
+          </a:p>
+          <a:p>
+            <a:pPr lvl="1"/>
+            <a:r>
+              <a:rPr lang="en-US" dirty="0"/>
+              <a:t>Diversity within paradigm (C, Java both imperative) and language (Lisp “has objects”)</a:t>
+            </a:r>
+          </a:p>
+          <a:p>
+            <a:pPr lvl="1"/>
+            <a:r>
+              <a:rPr lang="en-US" dirty="0"/>
+              <a:t>More helpful to consider language </a:t>
+            </a:r>
+            <a:r>
+              <a:rPr lang="en-US" i="1" dirty="0"/>
+              <a:t>principles</a:t>
+            </a:r>
+            <a:r>
+              <a:rPr lang="en-US" dirty="0"/>
+              <a:t>. 1 language can have many principles.</a:t>
+            </a:r>
+          </a:p>
+          <a:p>
+            <a:pPr lvl="1"/>
+            <a:endParaRPr lang="en-US" dirty="0"/>
+          </a:p>
+        </p:txBody>
+      </p:sp>
+      <p:sp>
+        <p:nvSpPr>
+          <p:cNvPr id="4" name="Slide Number Placeholder 3">
+            <a:extLst>
+              <a:ext uri="{FF2B5EF4-FFF2-40B4-BE49-F238E27FC236}">
+                <a16:creationId xmlns:a16="http://schemas.microsoft.com/office/drawing/2014/main" id="{72560D14-59DB-C849-A0B1-05A240A934D7}"/>
+              </a:ext>
+            </a:extLst>
+          </p:cNvPr>
+          <p:cNvSpPr>
+            <a:spLocks noGrp="1"/>
+          </p:cNvSpPr>
+          <p:nvPr>
+            <p:ph type="sldNum" sz="quarter" idx="12"/>
+          </p:nvPr>
+        </p:nvSpPr>
+        <p:spPr/>
+        <p:txBody>
           <a:bodyPr/>
           <a:lstStyle/>
           <a:p>
-            <a:r>
-              <a:rPr lang="en-US" dirty="0"/>
-              <a:t>Join the Slack server for the course as soon as possible, if you have not already</a:t>
-            </a:r>
-          </a:p>
-          <a:p>
-            <a:r>
-              <a:rPr lang="en-US" dirty="0"/>
-              <a:t>Important course announcements will primarily be sent through Slack, such as any corrections to assigned problems, notifications about the exam, or any changes to deadlines or lectures</a:t>
-            </a:r>
+            <a:fld id="{2C0E34F6-CF55-FF4F-9870-7EBC75AEB059}" type="slidenum">
+              <a:rPr lang="en-US" smtClean="0"/>
+              <a:t>37</a:t>
+            </a:fld>
+            <a:endParaRPr lang="en-US"/>
           </a:p>
         </p:txBody>
       </p:sp>
     </p:spTree>
     <p:extLst>
       <p:ext uri="{BB962C8B-B14F-4D97-AF65-F5344CB8AC3E}">
-        <p14:creationId xmlns:p14="http://schemas.microsoft.com/office/powerpoint/2010/main" val="481149256"/>
+        <p14:creationId xmlns:p14="http://schemas.microsoft.com/office/powerpoint/2010/main" val="1668142636"/>
       </p:ext>
     </p:extLst>
   </p:cSld>
@@ -13603,7 +13831,7 @@
           <p:cNvPr id="2" name="Title 1">
             <a:extLst>
               <a:ext uri="{FF2B5EF4-FFF2-40B4-BE49-F238E27FC236}">
-                <a16:creationId xmlns:a16="http://schemas.microsoft.com/office/drawing/2014/main" id="{72C16FB8-F59E-8A25-5056-4CA44520DECD}"/>
+                <a16:creationId xmlns:a16="http://schemas.microsoft.com/office/drawing/2014/main" id="{19CB60C9-3CC0-4E54-AA08-63189E7B2DF2}"/>
               </a:ext>
             </a:extLst>
           </p:cNvPr>
@@ -13621,7 +13849,7 @@
           <a:p>
             <a:r>
               <a:rPr lang="en-US" dirty="0"/>
-              <a:t>HW1</a:t>
+              <a:t>Approach 2: Tour of Principles</a:t>
             </a:r>
           </a:p>
         </p:txBody>
@@ -13631,7 +13859,7 @@
           <p:cNvPr id="3" name="Content Placeholder 2">
             <a:extLst>
               <a:ext uri="{FF2B5EF4-FFF2-40B4-BE49-F238E27FC236}">
-                <a16:creationId xmlns:a16="http://schemas.microsoft.com/office/drawing/2014/main" id="{DC155D1B-A6F1-322F-7661-AFF8BC278733}"/>
+                <a16:creationId xmlns:a16="http://schemas.microsoft.com/office/drawing/2014/main" id="{85F99A43-42FC-4E27-BB4F-BC3D81B7EB29}"/>
               </a:ext>
             </a:extLst>
           </p:cNvPr>
@@ -13642,63 +13870,126 @@
             <p:ph idx="1"/>
           </p:nvPr>
         </p:nvSpPr>
+        <p:spPr>
+          <a:xfrm>
+            <a:off x="1100994" y="1878745"/>
+            <a:ext cx="10671906" cy="4397375"/>
+          </a:xfrm>
+        </p:spPr>
+        <p:txBody>
+          <a:bodyPr>
+            <a:normAutofit/>
+          </a:bodyPr>
+          <a:lstStyle/>
+          <a:p>
+            <a:r>
+              <a:rPr lang="en-US" sz="2000" dirty="0"/>
+              <a:t>Principles of syntax (Is this a program? Which one?)</a:t>
+            </a:r>
+          </a:p>
+          <a:p>
+            <a:r>
+              <a:rPr lang="en-US" sz="2000" dirty="0"/>
+              <a:t>Principles of execution (How do I run it? What happens then?)</a:t>
+            </a:r>
+          </a:p>
+          <a:p>
+            <a:pPr lvl="1"/>
+            <a:r>
+              <a:rPr lang="en-US" sz="2000" dirty="0"/>
+              <a:t>Principles of program state (“Imperative” vs. “Functional”)</a:t>
+            </a:r>
+          </a:p>
+          <a:p>
+            <a:pPr lvl="1"/>
+            <a:r>
+              <a:rPr lang="en-US" sz="2000" dirty="0"/>
+              <a:t>Manual memory management (</a:t>
+            </a:r>
+            <a:r>
+              <a:rPr lang="en-US" sz="2000" b="1" dirty="0"/>
+              <a:t>malloc)</a:t>
+            </a:r>
+            <a:r>
+              <a:rPr lang="en-US" sz="2000" dirty="0"/>
+              <a:t> </a:t>
+            </a:r>
+            <a:br>
+              <a:rPr lang="en-US" sz="2000" dirty="0"/>
+            </a:br>
+            <a:r>
+              <a:rPr lang="en-US" sz="2000" dirty="0"/>
+              <a:t>vs. automatic (garbage collection)</a:t>
+            </a:r>
+          </a:p>
+          <a:p>
+            <a:r>
+              <a:rPr lang="en-US" sz="2000" dirty="0"/>
+              <a:t>Principles of types (What can I learn without running the code?)</a:t>
+            </a:r>
+          </a:p>
+          <a:p>
+            <a:pPr lvl="1"/>
+            <a:r>
+              <a:rPr lang="en-US" sz="2000" dirty="0"/>
+              <a:t>Different type systems give different guarantees + abstractions</a:t>
+            </a:r>
+          </a:p>
+          <a:p>
+            <a:r>
+              <a:rPr lang="en-US" sz="2000" dirty="0"/>
+              <a:t>Principles of verification (Why is my code correct?)</a:t>
+            </a:r>
+          </a:p>
+          <a:p>
+            <a:r>
+              <a:rPr lang="en-US" sz="2000" b="1" dirty="0"/>
+              <a:t>Limitation: </a:t>
+            </a:r>
+            <a:r>
+              <a:rPr lang="en-US" sz="2000" dirty="0"/>
+              <a:t>This leaves out everything about design! The course has design in the title! We cannot provide a comprehensive discussion of PLs without talking about people.</a:t>
+            </a:r>
+            <a:r>
+              <a:rPr lang="en-US" sz="2000" b="1" dirty="0"/>
+              <a:t> </a:t>
+            </a:r>
+          </a:p>
+        </p:txBody>
+      </p:sp>
+      <p:sp>
+        <p:nvSpPr>
+          <p:cNvPr id="4" name="Slide Number Placeholder 3">
+            <a:extLst>
+              <a:ext uri="{FF2B5EF4-FFF2-40B4-BE49-F238E27FC236}">
+                <a16:creationId xmlns:a16="http://schemas.microsoft.com/office/drawing/2014/main" id="{AEA3EC8E-6296-4FB1-BF2C-B5A9A5B83BD0}"/>
+              </a:ext>
+            </a:extLst>
+          </p:cNvPr>
+          <p:cNvSpPr>
+            <a:spLocks noGrp="1"/>
+          </p:cNvSpPr>
+          <p:nvPr>
+            <p:ph type="sldNum" sz="quarter" idx="12"/>
+          </p:nvPr>
+        </p:nvSpPr>
         <p:spPr/>
         <p:txBody>
           <a:bodyPr/>
           <a:lstStyle/>
           <a:p>
-            <a:r>
-              <a:rPr lang="en-US" dirty="0"/>
-              <a:t>Homework 1 is released</a:t>
-            </a:r>
-          </a:p>
-          <a:p>
-            <a:pPr marL="457200" indent="-457200">
-              <a:buFont typeface="+mj-lt"/>
-              <a:buAutoNum type="arabicPeriod"/>
-            </a:pPr>
-            <a:r>
-              <a:rPr lang="en-US" dirty="0"/>
-              <a:t>Install the Rust programming language and Visual Studio Code editor/plugin</a:t>
-            </a:r>
-          </a:p>
-          <a:p>
-            <a:pPr marL="457200" indent="-457200">
-              <a:buFont typeface="+mj-lt"/>
-              <a:buAutoNum type="arabicPeriod"/>
-            </a:pPr>
-            <a:r>
-              <a:rPr lang="en-US" dirty="0"/>
-              <a:t>Coding: Write 9 short Rust functions to learn the fundamentals of the language</a:t>
-            </a:r>
-            <a:br>
-              <a:rPr lang="en-US" dirty="0"/>
-            </a:br>
-            <a:r>
-              <a:rPr lang="en-US" b="1" dirty="0"/>
-              <a:t>Next lecture is all about Rust</a:t>
-            </a:r>
-            <a:r>
-              <a:rPr lang="en-US" dirty="0"/>
-              <a:t> – you may want to wait, or read ahead</a:t>
-            </a:r>
-          </a:p>
-          <a:p>
-            <a:pPr marL="457200" indent="-457200">
-              <a:buFont typeface="+mj-lt"/>
-              <a:buAutoNum type="arabicPeriod"/>
-            </a:pPr>
-            <a:r>
-              <a:rPr lang="en-US" dirty="0"/>
-              <a:t>Written: Identify your learning goals and reflect on your past programming experience</a:t>
-            </a:r>
+            <a:fld id="{35FEF863-E852-4BEF-80E4-638F599BECAC}" type="slidenum">
+              <a:rPr lang="en-US" smtClean="0"/>
+              <a:t>38</a:t>
+            </a:fld>
+            <a:endParaRPr lang="en-US"/>
           </a:p>
         </p:txBody>
       </p:sp>
     </p:spTree>
     <p:extLst>
       <p:ext uri="{BB962C8B-B14F-4D97-AF65-F5344CB8AC3E}">
-        <p14:creationId xmlns:p14="http://schemas.microsoft.com/office/powerpoint/2010/main" val="627410707"/>
+        <p14:creationId xmlns:p14="http://schemas.microsoft.com/office/powerpoint/2010/main" val="3898492305"/>
       </p:ext>
     </p:extLst>
   </p:cSld>
@@ -13730,7 +14021,7 @@
           <p:cNvPr id="2" name="Title 1">
             <a:extLst>
               <a:ext uri="{FF2B5EF4-FFF2-40B4-BE49-F238E27FC236}">
-                <a16:creationId xmlns:a16="http://schemas.microsoft.com/office/drawing/2014/main" id="{D26934B2-FDC6-EDBD-B557-52767684D52A}"/>
+                <a16:creationId xmlns:a16="http://schemas.microsoft.com/office/drawing/2014/main" id="{AC082608-8A2B-6872-45A7-3D97008BE99B}"/>
               </a:ext>
             </a:extLst>
           </p:cNvPr>
@@ -13748,7 +14039,7 @@
           <a:p>
             <a:r>
               <a:rPr lang="en-US" dirty="0"/>
-              <a:t>Rust: What and Why?</a:t>
+              <a:t>Approach 3: Focus on Tour Guides</a:t>
             </a:r>
           </a:p>
         </p:txBody>
@@ -13758,7 +14049,7 @@
           <p:cNvPr id="3" name="Content Placeholder 2">
             <a:extLst>
               <a:ext uri="{FF2B5EF4-FFF2-40B4-BE49-F238E27FC236}">
-                <a16:creationId xmlns:a16="http://schemas.microsoft.com/office/drawing/2014/main" id="{1B333D92-52E2-AC3A-EC2A-205EBFCD52AD}"/>
+                <a16:creationId xmlns:a16="http://schemas.microsoft.com/office/drawing/2014/main" id="{76375FBB-7FDF-2F6E-4FB5-6F60157B5EDE}"/>
               </a:ext>
             </a:extLst>
           </p:cNvPr>
@@ -13775,70 +14066,63 @@
           <a:lstStyle/>
           <a:p>
             <a:r>
+              <a:rPr lang="en-US" dirty="0"/>
+              <a:t>Professors love to say things like “college teaches you how to think”</a:t>
+            </a:r>
+          </a:p>
+          <a:p>
+            <a:r>
+              <a:rPr lang="en-US" dirty="0"/>
+              <a:t>At least: the most practical thing we can do is prepare you for career-long self-driven learning. For a course do this seriously, we must explicitly highlight different schools of thought/study</a:t>
+            </a:r>
+          </a:p>
+          <a:p>
+            <a:r>
+              <a:rPr lang="en-US" dirty="0"/>
+              <a:t>This helps students be aware that many different intellectual tools are available for their work</a:t>
+            </a:r>
+          </a:p>
+          <a:p>
+            <a:r>
+              <a:rPr lang="en-US" dirty="0"/>
+              <a:t>This approach emphasizes the value of communication: in your professional life, you must learn how to communicate thoughts to someone who thinks about the topic through a different lens</a:t>
+            </a:r>
+          </a:p>
+          <a:p>
+            <a:r>
+              <a:rPr lang="en-US" dirty="0"/>
+              <a:t>We consider five ways of thinking represented by five different </a:t>
+            </a:r>
+            <a:r>
+              <a:rPr lang="en-US" i="1" dirty="0"/>
+              <a:t>archetypes</a:t>
+            </a:r>
+            <a:r>
+              <a:rPr lang="en-US" dirty="0"/>
+              <a:t> (fictional characters):</a:t>
+            </a:r>
+            <a:br>
+              <a:rPr lang="en-US" dirty="0"/>
+            </a:br>
+            <a:r>
+              <a:rPr lang="en-US" dirty="0"/>
+              <a:t>Theorist, Practitioner, Implementer, Social Scientist, and Humanist.</a:t>
+            </a:r>
+            <a:br>
+              <a:rPr lang="en-US" dirty="0"/>
+            </a:br>
+            <a:r>
               <a:rPr lang="en-US" b="1" dirty="0"/>
-              <a:t>What:</a:t>
-            </a:r>
-            <a:r>
-              <a:rPr lang="en-US" dirty="0"/>
-              <a:t> Introduced in 2015, Rust is a strongly-typed programming language which is meant to be suitable for systems programming. Its defining feature is the idea of ownership in the type system, which supports efficient-yet-safe compilers, especially efficient memory management</a:t>
-            </a:r>
-          </a:p>
-          <a:p>
-            <a:r>
-              <a:rPr lang="en-US" b="1" dirty="0"/>
-              <a:t>Why:</a:t>
-            </a:r>
-          </a:p>
-          <a:p>
-            <a:pPr marL="457200" indent="-457200">
-              <a:buFont typeface="+mj-lt"/>
-              <a:buAutoNum type="arabicPeriod"/>
-            </a:pPr>
-            <a:r>
-              <a:rPr lang="en-US" dirty="0"/>
-              <a:t>Rust is growing in popularity. There is a decent chance that it will be useful in your career</a:t>
-            </a:r>
-          </a:p>
-          <a:p>
-            <a:pPr marL="457200" indent="-457200">
-              <a:buFont typeface="+mj-lt"/>
-              <a:buAutoNum type="arabicPeriod"/>
-            </a:pPr>
-            <a:r>
-              <a:rPr lang="en-US" dirty="0"/>
-              <a:t>Rust is a major success story about transferring academic ideas about PL into practice</a:t>
-            </a:r>
-          </a:p>
-          <a:p>
-            <a:pPr marL="457200" indent="-457200">
-              <a:buFont typeface="+mj-lt"/>
-              <a:buAutoNum type="arabicPeriod"/>
-            </a:pPr>
-            <a:r>
-              <a:rPr lang="en-US" dirty="0"/>
-              <a:t>Static typing and recursive data types, though not unique to Rust, are essential for the programming tasks we wish to perform</a:t>
-            </a:r>
-          </a:p>
-          <a:p>
-            <a:pPr marL="0" indent="0">
-              <a:buNone/>
-            </a:pPr>
-            <a:r>
-              <a:rPr lang="en-US" b="1" dirty="0"/>
-              <a:t>Recommended environment: </a:t>
-            </a:r>
-            <a:r>
-              <a:rPr lang="en-US" dirty="0"/>
-              <a:t>Visual Studio Code and its Rust plugin. See HW1 handout for instructions on setting the environment up</a:t>
-            </a:r>
-            <a:endParaRPr lang="en-US" b="1" dirty="0"/>
+              <a:t>Let’s look at each archetype</a:t>
+            </a:r>
+            <a:endParaRPr lang="en-US" dirty="0"/>
           </a:p>
         </p:txBody>
       </p:sp>
     </p:spTree>
     <p:extLst>
       <p:ext uri="{BB962C8B-B14F-4D97-AF65-F5344CB8AC3E}">
-        <p14:creationId xmlns:p14="http://schemas.microsoft.com/office/powerpoint/2010/main" val="2581349870"/>
+        <p14:creationId xmlns:p14="http://schemas.microsoft.com/office/powerpoint/2010/main" val="3459801749"/>
       </p:ext>
     </p:extLst>
   </p:cSld>
@@ -14051,1002 +14335,6 @@
 </file>
 
 <file path=ppt/slides/slide40.xml><?xml version="1.0" encoding="utf-8"?>
-<p:sld xmlns:a="http://schemas.openxmlformats.org/drawingml/2006/main" xmlns:r="http://schemas.openxmlformats.org/officeDocument/2006/relationships" xmlns:p="http://schemas.openxmlformats.org/presentationml/2006/main">
-  <p:cSld>
-    <p:spTree>
-      <p:nvGrpSpPr>
-        <p:cNvPr id="1" name=""/>
-        <p:cNvGrpSpPr/>
-        <p:nvPr/>
-      </p:nvGrpSpPr>
-      <p:grpSpPr>
-        <a:xfrm>
-          <a:off x="0" y="0"/>
-          <a:ext cx="0" cy="0"/>
-          <a:chOff x="0" y="0"/>
-          <a:chExt cx="0" cy="0"/>
-        </a:xfrm>
-      </p:grpSpPr>
-      <p:sp>
-        <p:nvSpPr>
-          <p:cNvPr id="2" name="Title 1">
-            <a:extLst>
-              <a:ext uri="{FF2B5EF4-FFF2-40B4-BE49-F238E27FC236}">
-                <a16:creationId xmlns:a16="http://schemas.microsoft.com/office/drawing/2014/main" id="{8E29F382-9730-C78A-6882-46185C98299D}"/>
-              </a:ext>
-            </a:extLst>
-          </p:cNvPr>
-          <p:cNvSpPr>
-            <a:spLocks noGrp="1"/>
-          </p:cNvSpPr>
-          <p:nvPr>
-            <p:ph type="title"/>
-          </p:nvPr>
-        </p:nvSpPr>
-        <p:spPr/>
-        <p:txBody>
-          <a:bodyPr/>
-          <a:lstStyle/>
-          <a:p>
-            <a:r>
-              <a:rPr lang="en-US" dirty="0"/>
-              <a:t>Part 2: What is a Programming Language?</a:t>
-            </a:r>
-          </a:p>
-        </p:txBody>
-      </p:sp>
-      <p:sp>
-        <p:nvSpPr>
-          <p:cNvPr id="3" name="Content Placeholder 2">
-            <a:extLst>
-              <a:ext uri="{FF2B5EF4-FFF2-40B4-BE49-F238E27FC236}">
-                <a16:creationId xmlns:a16="http://schemas.microsoft.com/office/drawing/2014/main" id="{1B4FF26E-98A2-E5DF-BC98-FD8855ADA8A4}"/>
-              </a:ext>
-            </a:extLst>
-          </p:cNvPr>
-          <p:cNvSpPr>
-            <a:spLocks noGrp="1"/>
-          </p:cNvSpPr>
-          <p:nvPr>
-            <p:ph idx="1"/>
-          </p:nvPr>
-        </p:nvSpPr>
-        <p:spPr/>
-        <p:txBody>
-          <a:bodyPr/>
-          <a:lstStyle/>
-          <a:p>
-            <a:r>
-              <a:rPr lang="en-US" dirty="0"/>
-              <a:t>Outline:</a:t>
-            </a:r>
-          </a:p>
-          <a:p>
-            <a:pPr lvl="1"/>
-            <a:r>
-              <a:rPr lang="en-US" dirty="0"/>
-              <a:t>Reiterate why it’s worth studying PLs</a:t>
-            </a:r>
-          </a:p>
-          <a:p>
-            <a:pPr lvl="1"/>
-            <a:r>
-              <a:rPr lang="en-US" dirty="0"/>
-              <a:t>Discuss </a:t>
-            </a:r>
-            <a:r>
-              <a:rPr lang="en-US" i="1" dirty="0"/>
-              <a:t>what</a:t>
-            </a:r>
-            <a:r>
-              <a:rPr lang="en-US" dirty="0"/>
-              <a:t> about PLs should be taught in a course</a:t>
-            </a:r>
-          </a:p>
-          <a:p>
-            <a:pPr lvl="1"/>
-            <a:r>
-              <a:rPr lang="en-US" dirty="0"/>
-              <a:t>Discuss the idea of a PL Zoo</a:t>
-            </a:r>
-          </a:p>
-          <a:p>
-            <a:pPr lvl="1"/>
-            <a:r>
-              <a:rPr lang="en-US" dirty="0"/>
-              <a:t>We structure the course around people instead – “archetypes”</a:t>
-            </a:r>
-          </a:p>
-          <a:p>
-            <a:pPr lvl="1"/>
-            <a:r>
-              <a:rPr lang="en-US" dirty="0"/>
-              <a:t>Learn who the 5 archetypes are</a:t>
-            </a:r>
-          </a:p>
-          <a:p>
-            <a:pPr lvl="1"/>
-            <a:r>
-              <a:rPr lang="en-US" dirty="0"/>
-              <a:t>Outline the stages of a PL implementation</a:t>
-            </a:r>
-          </a:p>
-        </p:txBody>
-      </p:sp>
-    </p:spTree>
-    <p:extLst>
-      <p:ext uri="{BB962C8B-B14F-4D97-AF65-F5344CB8AC3E}">
-        <p14:creationId xmlns:p14="http://schemas.microsoft.com/office/powerpoint/2010/main" val="957818073"/>
-      </p:ext>
-    </p:extLst>
-  </p:cSld>
-  <p:clrMapOvr>
-    <a:masterClrMapping/>
-  </p:clrMapOvr>
-</p:sld>
-</file>
-
-<file path=ppt/slides/slide41.xml><?xml version="1.0" encoding="utf-8"?>
-<p:sld xmlns:a="http://schemas.openxmlformats.org/drawingml/2006/main" xmlns:r="http://schemas.openxmlformats.org/officeDocument/2006/relationships" xmlns:p="http://schemas.openxmlformats.org/presentationml/2006/main">
-  <p:cSld>
-    <p:spTree>
-      <p:nvGrpSpPr>
-        <p:cNvPr id="1" name=""/>
-        <p:cNvGrpSpPr/>
-        <p:nvPr/>
-      </p:nvGrpSpPr>
-      <p:grpSpPr>
-        <a:xfrm>
-          <a:off x="0" y="0"/>
-          <a:ext cx="0" cy="0"/>
-          <a:chOff x="0" y="0"/>
-          <a:chExt cx="0" cy="0"/>
-        </a:xfrm>
-      </p:grpSpPr>
-      <p:sp>
-        <p:nvSpPr>
-          <p:cNvPr id="2" name="Title 1"/>
-          <p:cNvSpPr>
-            <a:spLocks noGrp="1"/>
-          </p:cNvSpPr>
-          <p:nvPr>
-            <p:ph type="title"/>
-          </p:nvPr>
-        </p:nvSpPr>
-        <p:spPr/>
-        <p:txBody>
-          <a:bodyPr>
-            <a:normAutofit/>
-          </a:bodyPr>
-          <a:lstStyle/>
-          <a:p>
-            <a:r>
-              <a:rPr lang="en-US" dirty="0"/>
-              <a:t>PLs Are All Around You</a:t>
-            </a:r>
-          </a:p>
-        </p:txBody>
-      </p:sp>
-      <p:sp>
-        <p:nvSpPr>
-          <p:cNvPr id="3" name="Content Placeholder 2"/>
-          <p:cNvSpPr>
-            <a:spLocks noGrp="1"/>
-          </p:cNvSpPr>
-          <p:nvPr>
-            <p:ph idx="1"/>
-          </p:nvPr>
-        </p:nvSpPr>
-        <p:spPr/>
-        <p:txBody>
-          <a:bodyPr>
-            <a:normAutofit/>
-          </a:bodyPr>
-          <a:lstStyle/>
-          <a:p>
-            <a:r>
-              <a:rPr lang="en-US" b="1" dirty="0"/>
-              <a:t>Domain-specific languages are common &amp; growing!</a:t>
-            </a:r>
-          </a:p>
-          <a:p>
-            <a:pPr lvl="1"/>
-            <a:r>
-              <a:rPr lang="en-US" dirty="0"/>
-              <a:t>Graphic shaders, macro languages, permission policies</a:t>
-            </a:r>
-          </a:p>
-          <a:p>
-            <a:r>
-              <a:rPr lang="en-US" b="1" dirty="0"/>
-              <a:t>Many things are secretly languages!</a:t>
-            </a:r>
-            <a:endParaRPr lang="en-US" dirty="0"/>
-          </a:p>
-          <a:p>
-            <a:pPr lvl="1"/>
-            <a:r>
-              <a:rPr lang="en-US" dirty="0"/>
-              <a:t>Spreadsheets, email filters, config files, </a:t>
-            </a:r>
-            <a:r>
-              <a:rPr lang="en-US" dirty="0" err="1"/>
-              <a:t>video+sound</a:t>
-            </a:r>
-            <a:r>
-              <a:rPr lang="en-US" dirty="0"/>
-              <a:t> editor effects</a:t>
-            </a:r>
-          </a:p>
-          <a:p>
-            <a:r>
-              <a:rPr lang="en-US" b="1" dirty="0"/>
-              <a:t>You will probably build or use one of these</a:t>
-            </a:r>
-            <a:endParaRPr lang="en-US" dirty="0"/>
-          </a:p>
-          <a:p>
-            <a:pPr lvl="1"/>
-            <a:r>
-              <a:rPr lang="en-US" dirty="0"/>
-              <a:t>Most of us will not write C or Java compilers for a living</a:t>
-            </a:r>
-          </a:p>
-          <a:p>
-            <a:pPr lvl="1"/>
-            <a:r>
-              <a:rPr lang="en-US" dirty="0"/>
-              <a:t>Many of us will write big programs</a:t>
-            </a:r>
-          </a:p>
-          <a:p>
-            <a:r>
-              <a:rPr lang="en-US" b="1" dirty="0"/>
-              <a:t>Little languages are a good program design approach!</a:t>
-            </a:r>
-          </a:p>
-          <a:p>
-            <a:pPr lvl="1"/>
-            <a:r>
-              <a:rPr lang="en-US" dirty="0"/>
-              <a:t>Programming language theory: Every valid program “works”</a:t>
-            </a:r>
-          </a:p>
-          <a:p>
-            <a:pPr lvl="1"/>
-            <a:r>
-              <a:rPr lang="en-US" dirty="0"/>
-              <a:t>Little languages: Every input from the user “works”</a:t>
-            </a:r>
-          </a:p>
-          <a:p>
-            <a:pPr marL="0" indent="0">
-              <a:buNone/>
-            </a:pPr>
-            <a:endParaRPr lang="en-US" dirty="0"/>
-          </a:p>
-        </p:txBody>
-      </p:sp>
-      <p:sp>
-        <p:nvSpPr>
-          <p:cNvPr id="4" name="Slide Number Placeholder 3">
-            <a:extLst>
-              <a:ext uri="{FF2B5EF4-FFF2-40B4-BE49-F238E27FC236}">
-                <a16:creationId xmlns:a16="http://schemas.microsoft.com/office/drawing/2014/main" id="{96AE7983-5CB6-6544-AAAB-89D446DE938C}"/>
-              </a:ext>
-            </a:extLst>
-          </p:cNvPr>
-          <p:cNvSpPr>
-            <a:spLocks noGrp="1"/>
-          </p:cNvSpPr>
-          <p:nvPr>
-            <p:ph type="sldNum" sz="quarter" idx="12"/>
-          </p:nvPr>
-        </p:nvSpPr>
-        <p:spPr/>
-        <p:txBody>
-          <a:bodyPr/>
-          <a:lstStyle/>
-          <a:p>
-            <a:fld id="{10ECF3B1-E919-6247-9AAC-9DBE0AD69C0A}" type="slidenum">
-              <a:rPr lang="en-US" smtClean="0"/>
-              <a:t>41</a:t>
-            </a:fld>
-            <a:endParaRPr lang="en-US"/>
-          </a:p>
-        </p:txBody>
-      </p:sp>
-    </p:spTree>
-    <p:extLst>
-      <p:ext uri="{BB962C8B-B14F-4D97-AF65-F5344CB8AC3E}">
-        <p14:creationId xmlns:p14="http://schemas.microsoft.com/office/powerpoint/2010/main" val="2541440744"/>
-      </p:ext>
-    </p:extLst>
-  </p:cSld>
-  <p:clrMapOvr>
-    <a:masterClrMapping/>
-  </p:clrMapOvr>
-</p:sld>
-</file>
-
-<file path=ppt/slides/slide42.xml><?xml version="1.0" encoding="utf-8"?>
-<p:sld xmlns:a="http://schemas.openxmlformats.org/drawingml/2006/main" xmlns:r="http://schemas.openxmlformats.org/officeDocument/2006/relationships" xmlns:p="http://schemas.openxmlformats.org/presentationml/2006/main">
-  <p:cSld>
-    <p:spTree>
-      <p:nvGrpSpPr>
-        <p:cNvPr id="1" name=""/>
-        <p:cNvGrpSpPr/>
-        <p:nvPr/>
-      </p:nvGrpSpPr>
-      <p:grpSpPr>
-        <a:xfrm>
-          <a:off x="0" y="0"/>
-          <a:ext cx="0" cy="0"/>
-          <a:chOff x="0" y="0"/>
-          <a:chExt cx="0" cy="0"/>
-        </a:xfrm>
-      </p:grpSpPr>
-      <p:sp>
-        <p:nvSpPr>
-          <p:cNvPr id="2" name="Title 1">
-            <a:extLst>
-              <a:ext uri="{FF2B5EF4-FFF2-40B4-BE49-F238E27FC236}">
-                <a16:creationId xmlns:a16="http://schemas.microsoft.com/office/drawing/2014/main" id="{82287B95-4784-4879-900E-0C41E802417D}"/>
-              </a:ext>
-            </a:extLst>
-          </p:cNvPr>
-          <p:cNvSpPr>
-            <a:spLocks noGrp="1"/>
-          </p:cNvSpPr>
-          <p:nvPr>
-            <p:ph type="title"/>
-          </p:nvPr>
-        </p:nvSpPr>
-        <p:spPr/>
-        <p:txBody>
-          <a:bodyPr/>
-          <a:lstStyle/>
-          <a:p>
-            <a:r>
-              <a:rPr lang="en-US" b="1" dirty="0"/>
-              <a:t>Discussion: What’s Important About PLs?</a:t>
-            </a:r>
-          </a:p>
-        </p:txBody>
-      </p:sp>
-      <p:sp>
-        <p:nvSpPr>
-          <p:cNvPr id="3" name="Content Placeholder 2">
-            <a:extLst>
-              <a:ext uri="{FF2B5EF4-FFF2-40B4-BE49-F238E27FC236}">
-                <a16:creationId xmlns:a16="http://schemas.microsoft.com/office/drawing/2014/main" id="{67385276-4608-4147-8739-BE59DF6AF300}"/>
-              </a:ext>
-            </a:extLst>
-          </p:cNvPr>
-          <p:cNvSpPr>
-            <a:spLocks noGrp="1"/>
-          </p:cNvSpPr>
-          <p:nvPr>
-            <p:ph idx="1"/>
-          </p:nvPr>
-        </p:nvSpPr>
-        <p:spPr/>
-        <p:txBody>
-          <a:bodyPr/>
-          <a:lstStyle/>
-          <a:p>
-            <a:r>
-              <a:rPr lang="en-US" dirty="0"/>
-              <a:t>As a group, let’s come up with (one) list of programming language </a:t>
-            </a:r>
-            <a:r>
-              <a:rPr lang="en-US" b="1" dirty="0"/>
-              <a:t>concepts</a:t>
-            </a:r>
-            <a:r>
-              <a:rPr lang="en-US" dirty="0"/>
-              <a:t>, </a:t>
-            </a:r>
-            <a:r>
-              <a:rPr lang="en-US" b="1" dirty="0"/>
-              <a:t>topics</a:t>
-            </a:r>
-            <a:r>
-              <a:rPr lang="en-US" dirty="0"/>
-              <a:t>, and </a:t>
-            </a:r>
-            <a:r>
-              <a:rPr lang="en-US" b="1" dirty="0"/>
-              <a:t>paradigms </a:t>
-            </a:r>
-          </a:p>
-          <a:p>
-            <a:endParaRPr lang="en-US" b="1" dirty="0"/>
-          </a:p>
-          <a:p>
-            <a:endParaRPr lang="en-US" b="1" dirty="0"/>
-          </a:p>
-          <a:p>
-            <a:endParaRPr lang="en-US" b="1" dirty="0"/>
-          </a:p>
-          <a:p>
-            <a:endParaRPr lang="en-US" b="1" dirty="0"/>
-          </a:p>
-          <a:p>
-            <a:endParaRPr lang="en-US" b="1" dirty="0"/>
-          </a:p>
-          <a:p>
-            <a:endParaRPr lang="en-US" b="1" dirty="0"/>
-          </a:p>
-          <a:p>
-            <a:r>
-              <a:rPr lang="en-US" b="1" dirty="0"/>
-              <a:t>With that in mind… How to design a course?</a:t>
-            </a:r>
-            <a:endParaRPr lang="en-US" dirty="0"/>
-          </a:p>
-        </p:txBody>
-      </p:sp>
-      <p:sp>
-        <p:nvSpPr>
-          <p:cNvPr id="4" name="Slide Number Placeholder 3">
-            <a:extLst>
-              <a:ext uri="{FF2B5EF4-FFF2-40B4-BE49-F238E27FC236}">
-                <a16:creationId xmlns:a16="http://schemas.microsoft.com/office/drawing/2014/main" id="{CA7C3112-CBE4-404A-BFE0-25C67E9D7FBB}"/>
-              </a:ext>
-            </a:extLst>
-          </p:cNvPr>
-          <p:cNvSpPr>
-            <a:spLocks noGrp="1"/>
-          </p:cNvSpPr>
-          <p:nvPr>
-            <p:ph type="sldNum" sz="quarter" idx="12"/>
-          </p:nvPr>
-        </p:nvSpPr>
-        <p:spPr/>
-        <p:txBody>
-          <a:bodyPr/>
-          <a:lstStyle/>
-          <a:p>
-            <a:fld id="{35FEF863-E852-4BEF-80E4-638F599BECAC}" type="slidenum">
-              <a:rPr lang="en-US" smtClean="0"/>
-              <a:t>42</a:t>
-            </a:fld>
-            <a:endParaRPr lang="en-US"/>
-          </a:p>
-        </p:txBody>
-      </p:sp>
-    </p:spTree>
-    <p:extLst>
-      <p:ext uri="{BB962C8B-B14F-4D97-AF65-F5344CB8AC3E}">
-        <p14:creationId xmlns:p14="http://schemas.microsoft.com/office/powerpoint/2010/main" val="2019864521"/>
-      </p:ext>
-    </p:extLst>
-  </p:cSld>
-  <p:clrMapOvr>
-    <a:masterClrMapping/>
-  </p:clrMapOvr>
-</p:sld>
-</file>
-
-<file path=ppt/slides/slide43.xml><?xml version="1.0" encoding="utf-8"?>
-<p:sld xmlns:a="http://schemas.openxmlformats.org/drawingml/2006/main" xmlns:r="http://schemas.openxmlformats.org/officeDocument/2006/relationships" xmlns:p="http://schemas.openxmlformats.org/presentationml/2006/main">
-  <p:cSld>
-    <p:spTree>
-      <p:nvGrpSpPr>
-        <p:cNvPr id="1" name=""/>
-        <p:cNvGrpSpPr/>
-        <p:nvPr/>
-      </p:nvGrpSpPr>
-      <p:grpSpPr>
-        <a:xfrm>
-          <a:off x="0" y="0"/>
-          <a:ext cx="0" cy="0"/>
-          <a:chOff x="0" y="0"/>
-          <a:chExt cx="0" cy="0"/>
-        </a:xfrm>
-      </p:grpSpPr>
-      <p:sp>
-        <p:nvSpPr>
-          <p:cNvPr id="2" name="Title 1">
-            <a:extLst>
-              <a:ext uri="{FF2B5EF4-FFF2-40B4-BE49-F238E27FC236}">
-                <a16:creationId xmlns:a16="http://schemas.microsoft.com/office/drawing/2014/main" id="{0C0AD39C-3EB1-C146-A4AA-940A83FC59EF}"/>
-              </a:ext>
-            </a:extLst>
-          </p:cNvPr>
-          <p:cNvSpPr>
-            <a:spLocks noGrp="1"/>
-          </p:cNvSpPr>
-          <p:nvPr>
-            <p:ph type="title"/>
-          </p:nvPr>
-        </p:nvSpPr>
-        <p:spPr/>
-        <p:txBody>
-          <a:bodyPr/>
-          <a:lstStyle/>
-          <a:p>
-            <a:r>
-              <a:rPr lang="en-US" dirty="0"/>
-              <a:t>Approach 1: Tour of Languages</a:t>
-            </a:r>
-          </a:p>
-        </p:txBody>
-      </p:sp>
-      <p:sp>
-        <p:nvSpPr>
-          <p:cNvPr id="3" name="Content Placeholder 2">
-            <a:extLst>
-              <a:ext uri="{FF2B5EF4-FFF2-40B4-BE49-F238E27FC236}">
-                <a16:creationId xmlns:a16="http://schemas.microsoft.com/office/drawing/2014/main" id="{F1D5483C-4786-0D4A-A0CA-431DDC734BD5}"/>
-              </a:ext>
-            </a:extLst>
-          </p:cNvPr>
-          <p:cNvSpPr>
-            <a:spLocks noGrp="1"/>
-          </p:cNvSpPr>
-          <p:nvPr>
-            <p:ph idx="1"/>
-          </p:nvPr>
-        </p:nvSpPr>
-        <p:spPr/>
-        <p:txBody>
-          <a:bodyPr>
-            <a:normAutofit/>
-          </a:bodyPr>
-          <a:lstStyle/>
-          <a:p>
-            <a:r>
-              <a:rPr lang="en-US" b="1" dirty="0"/>
-              <a:t>Three “Traditional” Paradigms:</a:t>
-            </a:r>
-          </a:p>
-          <a:p>
-            <a:pPr lvl="1"/>
-            <a:r>
-              <a:rPr lang="en-US" dirty="0"/>
-              <a:t>Imperative: commands change state. (Ex: C, Java)</a:t>
-            </a:r>
-          </a:p>
-          <a:p>
-            <a:pPr lvl="1"/>
-            <a:r>
-              <a:rPr lang="en-US" dirty="0"/>
-              <a:t>Functional: use functions, evaluate to values. (Ex: Lisp, Haskell)</a:t>
-            </a:r>
-          </a:p>
-          <a:p>
-            <a:pPr lvl="1"/>
-            <a:r>
-              <a:rPr lang="en-US" dirty="0"/>
-              <a:t>Logic: running code = searching for proofs (Ex: Prolog)</a:t>
-            </a:r>
-          </a:p>
-          <a:p>
-            <a:r>
-              <a:rPr lang="en-US" dirty="0"/>
-              <a:t>”Pseudo-paradigms”:</a:t>
-            </a:r>
-          </a:p>
-          <a:p>
-            <a:pPr lvl="1"/>
-            <a:r>
-              <a:rPr lang="en-US" dirty="0"/>
-              <a:t>Object-oriented</a:t>
-            </a:r>
-          </a:p>
-          <a:p>
-            <a:pPr lvl="1"/>
-            <a:r>
-              <a:rPr lang="en-US" dirty="0"/>
-              <a:t>Scripting languages (we don’t talk about these)</a:t>
-            </a:r>
-          </a:p>
-          <a:p>
-            <a:r>
-              <a:rPr lang="en-US" b="1" dirty="0"/>
-              <a:t>Limitation:</a:t>
-            </a:r>
-            <a:r>
-              <a:rPr lang="en-US" dirty="0"/>
-              <a:t> these labels have been criticized as unhelpful</a:t>
-            </a:r>
-          </a:p>
-          <a:p>
-            <a:pPr lvl="1"/>
-            <a:r>
-              <a:rPr lang="en-US" dirty="0"/>
-              <a:t>Diversity within paradigm (C, Java both imperative) and language (Lisp “has objects”)</a:t>
-            </a:r>
-          </a:p>
-          <a:p>
-            <a:pPr lvl="1"/>
-            <a:r>
-              <a:rPr lang="en-US" dirty="0"/>
-              <a:t>More helpful to consider language </a:t>
-            </a:r>
-            <a:r>
-              <a:rPr lang="en-US" i="1" dirty="0"/>
-              <a:t>principles</a:t>
-            </a:r>
-            <a:r>
-              <a:rPr lang="en-US" dirty="0"/>
-              <a:t>. 1 language can have many principles.</a:t>
-            </a:r>
-          </a:p>
-          <a:p>
-            <a:pPr lvl="1"/>
-            <a:endParaRPr lang="en-US" dirty="0"/>
-          </a:p>
-        </p:txBody>
-      </p:sp>
-      <p:sp>
-        <p:nvSpPr>
-          <p:cNvPr id="4" name="Slide Number Placeholder 3">
-            <a:extLst>
-              <a:ext uri="{FF2B5EF4-FFF2-40B4-BE49-F238E27FC236}">
-                <a16:creationId xmlns:a16="http://schemas.microsoft.com/office/drawing/2014/main" id="{72560D14-59DB-C849-A0B1-05A240A934D7}"/>
-              </a:ext>
-            </a:extLst>
-          </p:cNvPr>
-          <p:cNvSpPr>
-            <a:spLocks noGrp="1"/>
-          </p:cNvSpPr>
-          <p:nvPr>
-            <p:ph type="sldNum" sz="quarter" idx="12"/>
-          </p:nvPr>
-        </p:nvSpPr>
-        <p:spPr/>
-        <p:txBody>
-          <a:bodyPr/>
-          <a:lstStyle/>
-          <a:p>
-            <a:fld id="{2C0E34F6-CF55-FF4F-9870-7EBC75AEB059}" type="slidenum">
-              <a:rPr lang="en-US" smtClean="0"/>
-              <a:t>43</a:t>
-            </a:fld>
-            <a:endParaRPr lang="en-US"/>
-          </a:p>
-        </p:txBody>
-      </p:sp>
-    </p:spTree>
-    <p:extLst>
-      <p:ext uri="{BB962C8B-B14F-4D97-AF65-F5344CB8AC3E}">
-        <p14:creationId xmlns:p14="http://schemas.microsoft.com/office/powerpoint/2010/main" val="1668142636"/>
-      </p:ext>
-    </p:extLst>
-  </p:cSld>
-  <p:clrMapOvr>
-    <a:masterClrMapping/>
-  </p:clrMapOvr>
-</p:sld>
-</file>
-
-<file path=ppt/slides/slide44.xml><?xml version="1.0" encoding="utf-8"?>
-<p:sld xmlns:a="http://schemas.openxmlformats.org/drawingml/2006/main" xmlns:r="http://schemas.openxmlformats.org/officeDocument/2006/relationships" xmlns:p="http://schemas.openxmlformats.org/presentationml/2006/main">
-  <p:cSld>
-    <p:spTree>
-      <p:nvGrpSpPr>
-        <p:cNvPr id="1" name=""/>
-        <p:cNvGrpSpPr/>
-        <p:nvPr/>
-      </p:nvGrpSpPr>
-      <p:grpSpPr>
-        <a:xfrm>
-          <a:off x="0" y="0"/>
-          <a:ext cx="0" cy="0"/>
-          <a:chOff x="0" y="0"/>
-          <a:chExt cx="0" cy="0"/>
-        </a:xfrm>
-      </p:grpSpPr>
-      <p:sp>
-        <p:nvSpPr>
-          <p:cNvPr id="2" name="Title 1">
-            <a:extLst>
-              <a:ext uri="{FF2B5EF4-FFF2-40B4-BE49-F238E27FC236}">
-                <a16:creationId xmlns:a16="http://schemas.microsoft.com/office/drawing/2014/main" id="{19CB60C9-3CC0-4E54-AA08-63189E7B2DF2}"/>
-              </a:ext>
-            </a:extLst>
-          </p:cNvPr>
-          <p:cNvSpPr>
-            <a:spLocks noGrp="1"/>
-          </p:cNvSpPr>
-          <p:nvPr>
-            <p:ph type="title"/>
-          </p:nvPr>
-        </p:nvSpPr>
-        <p:spPr/>
-        <p:txBody>
-          <a:bodyPr/>
-          <a:lstStyle/>
-          <a:p>
-            <a:r>
-              <a:rPr lang="en-US" dirty="0"/>
-              <a:t>Approach 2: Tour of Principles</a:t>
-            </a:r>
-          </a:p>
-        </p:txBody>
-      </p:sp>
-      <p:sp>
-        <p:nvSpPr>
-          <p:cNvPr id="3" name="Content Placeholder 2">
-            <a:extLst>
-              <a:ext uri="{FF2B5EF4-FFF2-40B4-BE49-F238E27FC236}">
-                <a16:creationId xmlns:a16="http://schemas.microsoft.com/office/drawing/2014/main" id="{85F99A43-42FC-4E27-BB4F-BC3D81B7EB29}"/>
-              </a:ext>
-            </a:extLst>
-          </p:cNvPr>
-          <p:cNvSpPr>
-            <a:spLocks noGrp="1"/>
-          </p:cNvSpPr>
-          <p:nvPr>
-            <p:ph idx="1"/>
-          </p:nvPr>
-        </p:nvSpPr>
-        <p:spPr>
-          <a:xfrm>
-            <a:off x="1100994" y="1878745"/>
-            <a:ext cx="10671906" cy="4397375"/>
-          </a:xfrm>
-        </p:spPr>
-        <p:txBody>
-          <a:bodyPr>
-            <a:normAutofit/>
-          </a:bodyPr>
-          <a:lstStyle/>
-          <a:p>
-            <a:r>
-              <a:rPr lang="en-US" sz="2000" dirty="0"/>
-              <a:t>Principles of syntax (Is this a program? Which one?)</a:t>
-            </a:r>
-          </a:p>
-          <a:p>
-            <a:r>
-              <a:rPr lang="en-US" sz="2000" dirty="0"/>
-              <a:t>Principles of execution (How do I run it? What happens then?)</a:t>
-            </a:r>
-          </a:p>
-          <a:p>
-            <a:pPr lvl="1"/>
-            <a:r>
-              <a:rPr lang="en-US" sz="2000" dirty="0"/>
-              <a:t>Principles of program state (“Imperative” vs. “Functional”)</a:t>
-            </a:r>
-          </a:p>
-          <a:p>
-            <a:pPr lvl="1"/>
-            <a:r>
-              <a:rPr lang="en-US" sz="2000" dirty="0"/>
-              <a:t>Manual memory management (</a:t>
-            </a:r>
-            <a:r>
-              <a:rPr lang="en-US" sz="2000" b="1" dirty="0"/>
-              <a:t>malloc)</a:t>
-            </a:r>
-            <a:r>
-              <a:rPr lang="en-US" sz="2000" dirty="0"/>
-              <a:t> </a:t>
-            </a:r>
-            <a:br>
-              <a:rPr lang="en-US" sz="2000" dirty="0"/>
-            </a:br>
-            <a:r>
-              <a:rPr lang="en-US" sz="2000" dirty="0"/>
-              <a:t>vs. automatic (garbage collection)</a:t>
-            </a:r>
-          </a:p>
-          <a:p>
-            <a:r>
-              <a:rPr lang="en-US" sz="2000" dirty="0"/>
-              <a:t>Principles of types (What can I learn without running the code?)</a:t>
-            </a:r>
-          </a:p>
-          <a:p>
-            <a:pPr lvl="1"/>
-            <a:r>
-              <a:rPr lang="en-US" sz="2000" dirty="0"/>
-              <a:t>Different type systems give different guarantees + abstractions</a:t>
-            </a:r>
-          </a:p>
-          <a:p>
-            <a:r>
-              <a:rPr lang="en-US" sz="2000" dirty="0"/>
-              <a:t>Principles of verification (Why is my code correct?)</a:t>
-            </a:r>
-          </a:p>
-          <a:p>
-            <a:r>
-              <a:rPr lang="en-US" sz="2000" b="1" dirty="0"/>
-              <a:t>Limitation: </a:t>
-            </a:r>
-            <a:r>
-              <a:rPr lang="en-US" sz="2000" dirty="0"/>
-              <a:t>This leaves out everything about design! The course has design in the title! We cannot provide a comprehensive discussion of PLs without talking about people.</a:t>
-            </a:r>
-            <a:r>
-              <a:rPr lang="en-US" sz="2000" b="1" dirty="0"/>
-              <a:t> </a:t>
-            </a:r>
-          </a:p>
-        </p:txBody>
-      </p:sp>
-      <p:sp>
-        <p:nvSpPr>
-          <p:cNvPr id="4" name="Slide Number Placeholder 3">
-            <a:extLst>
-              <a:ext uri="{FF2B5EF4-FFF2-40B4-BE49-F238E27FC236}">
-                <a16:creationId xmlns:a16="http://schemas.microsoft.com/office/drawing/2014/main" id="{AEA3EC8E-6296-4FB1-BF2C-B5A9A5B83BD0}"/>
-              </a:ext>
-            </a:extLst>
-          </p:cNvPr>
-          <p:cNvSpPr>
-            <a:spLocks noGrp="1"/>
-          </p:cNvSpPr>
-          <p:nvPr>
-            <p:ph type="sldNum" sz="quarter" idx="12"/>
-          </p:nvPr>
-        </p:nvSpPr>
-        <p:spPr/>
-        <p:txBody>
-          <a:bodyPr/>
-          <a:lstStyle/>
-          <a:p>
-            <a:fld id="{35FEF863-E852-4BEF-80E4-638F599BECAC}" type="slidenum">
-              <a:rPr lang="en-US" smtClean="0"/>
-              <a:t>44</a:t>
-            </a:fld>
-            <a:endParaRPr lang="en-US"/>
-          </a:p>
-        </p:txBody>
-      </p:sp>
-    </p:spTree>
-    <p:extLst>
-      <p:ext uri="{BB962C8B-B14F-4D97-AF65-F5344CB8AC3E}">
-        <p14:creationId xmlns:p14="http://schemas.microsoft.com/office/powerpoint/2010/main" val="3898492305"/>
-      </p:ext>
-    </p:extLst>
-  </p:cSld>
-  <p:clrMapOvr>
-    <a:masterClrMapping/>
-  </p:clrMapOvr>
-</p:sld>
-</file>
-
-<file path=ppt/slides/slide45.xml><?xml version="1.0" encoding="utf-8"?>
-<p:sld xmlns:a="http://schemas.openxmlformats.org/drawingml/2006/main" xmlns:r="http://schemas.openxmlformats.org/officeDocument/2006/relationships" xmlns:p="http://schemas.openxmlformats.org/presentationml/2006/main">
-  <p:cSld>
-    <p:spTree>
-      <p:nvGrpSpPr>
-        <p:cNvPr id="1" name=""/>
-        <p:cNvGrpSpPr/>
-        <p:nvPr/>
-      </p:nvGrpSpPr>
-      <p:grpSpPr>
-        <a:xfrm>
-          <a:off x="0" y="0"/>
-          <a:ext cx="0" cy="0"/>
-          <a:chOff x="0" y="0"/>
-          <a:chExt cx="0" cy="0"/>
-        </a:xfrm>
-      </p:grpSpPr>
-      <p:sp>
-        <p:nvSpPr>
-          <p:cNvPr id="2" name="Title 1">
-            <a:extLst>
-              <a:ext uri="{FF2B5EF4-FFF2-40B4-BE49-F238E27FC236}">
-                <a16:creationId xmlns:a16="http://schemas.microsoft.com/office/drawing/2014/main" id="{AC082608-8A2B-6872-45A7-3D97008BE99B}"/>
-              </a:ext>
-            </a:extLst>
-          </p:cNvPr>
-          <p:cNvSpPr>
-            <a:spLocks noGrp="1"/>
-          </p:cNvSpPr>
-          <p:nvPr>
-            <p:ph type="title"/>
-          </p:nvPr>
-        </p:nvSpPr>
-        <p:spPr/>
-        <p:txBody>
-          <a:bodyPr/>
-          <a:lstStyle/>
-          <a:p>
-            <a:r>
-              <a:rPr lang="en-US" dirty="0"/>
-              <a:t>Approach 3: Focus on Tour Guides</a:t>
-            </a:r>
-          </a:p>
-        </p:txBody>
-      </p:sp>
-      <p:sp>
-        <p:nvSpPr>
-          <p:cNvPr id="3" name="Content Placeholder 2">
-            <a:extLst>
-              <a:ext uri="{FF2B5EF4-FFF2-40B4-BE49-F238E27FC236}">
-                <a16:creationId xmlns:a16="http://schemas.microsoft.com/office/drawing/2014/main" id="{76375FBB-7FDF-2F6E-4FB5-6F60157B5EDE}"/>
-              </a:ext>
-            </a:extLst>
-          </p:cNvPr>
-          <p:cNvSpPr>
-            <a:spLocks noGrp="1"/>
-          </p:cNvSpPr>
-          <p:nvPr>
-            <p:ph idx="1"/>
-          </p:nvPr>
-        </p:nvSpPr>
-        <p:spPr/>
-        <p:txBody>
-          <a:bodyPr/>
-          <a:lstStyle/>
-          <a:p>
-            <a:r>
-              <a:rPr lang="en-US" dirty="0"/>
-              <a:t>Professors love to say things like “college teaches you how to think”</a:t>
-            </a:r>
-          </a:p>
-          <a:p>
-            <a:r>
-              <a:rPr lang="en-US" dirty="0"/>
-              <a:t>At least: the most practical thing we can do is prepare you for career-long self-driven learning. For a course do this seriously, we must explicitly highlight different schools of thought/study</a:t>
-            </a:r>
-          </a:p>
-          <a:p>
-            <a:r>
-              <a:rPr lang="en-US" dirty="0"/>
-              <a:t>This helps students be aware that many different intellectual tools are available for their work</a:t>
-            </a:r>
-          </a:p>
-          <a:p>
-            <a:r>
-              <a:rPr lang="en-US" dirty="0"/>
-              <a:t>This approach emphasizes the value of communication: in your professional life, you must learn how to communicate thoughts to someone who thinks about the topic through a different lens</a:t>
-            </a:r>
-          </a:p>
-          <a:p>
-            <a:r>
-              <a:rPr lang="en-US" dirty="0"/>
-              <a:t>We consider five ways of thinking represented by five different </a:t>
-            </a:r>
-            <a:r>
-              <a:rPr lang="en-US" i="1" dirty="0"/>
-              <a:t>archetypes</a:t>
-            </a:r>
-            <a:r>
-              <a:rPr lang="en-US" dirty="0"/>
-              <a:t> (fictional characters):</a:t>
-            </a:r>
-            <a:br>
-              <a:rPr lang="en-US" dirty="0"/>
-            </a:br>
-            <a:r>
-              <a:rPr lang="en-US" dirty="0"/>
-              <a:t>Theorist, Practitioner, Implementer, Social Scientist, and Humanist.</a:t>
-            </a:r>
-            <a:br>
-              <a:rPr lang="en-US" dirty="0"/>
-            </a:br>
-            <a:r>
-              <a:rPr lang="en-US" b="1" dirty="0"/>
-              <a:t>Let’s look at each archetype</a:t>
-            </a:r>
-            <a:endParaRPr lang="en-US" dirty="0"/>
-          </a:p>
-        </p:txBody>
-      </p:sp>
-    </p:spTree>
-    <p:extLst>
-      <p:ext uri="{BB962C8B-B14F-4D97-AF65-F5344CB8AC3E}">
-        <p14:creationId xmlns:p14="http://schemas.microsoft.com/office/powerpoint/2010/main" val="3459801749"/>
-      </p:ext>
-    </p:extLst>
-  </p:cSld>
-  <p:clrMapOvr>
-    <a:masterClrMapping/>
-  </p:clrMapOvr>
-</p:sld>
-</file>
-
-<file path=ppt/slides/slide46.xml><?xml version="1.0" encoding="utf-8"?>
 <p:sld xmlns:a="http://schemas.openxmlformats.org/drawingml/2006/main" xmlns:r="http://schemas.openxmlformats.org/officeDocument/2006/relationships" xmlns:p="http://schemas.openxmlformats.org/presentationml/2006/main">
   <p:cSld>
     <p:spTree>
@@ -15753,7 +15041,7 @@
 </p:sld>
 </file>
 
-<file path=ppt/slides/slide47.xml><?xml version="1.0" encoding="utf-8"?>
+<file path=ppt/slides/slide41.xml><?xml version="1.0" encoding="utf-8"?>
 <p:sld xmlns:a="http://schemas.openxmlformats.org/drawingml/2006/main" xmlns:r="http://schemas.openxmlformats.org/officeDocument/2006/relationships" xmlns:p="http://schemas.openxmlformats.org/presentationml/2006/main">
   <p:cSld>
     <p:spTree>
@@ -16451,7 +15739,7 @@
 </p:sld>
 </file>
 
-<file path=ppt/slides/slide48.xml><?xml version="1.0" encoding="utf-8"?>
+<file path=ppt/slides/slide42.xml><?xml version="1.0" encoding="utf-8"?>
 <p:sld xmlns:a="http://schemas.openxmlformats.org/drawingml/2006/main" xmlns:r="http://schemas.openxmlformats.org/officeDocument/2006/relationships" xmlns:p="http://schemas.openxmlformats.org/presentationml/2006/main">
   <p:cSld>
     <p:spTree>
@@ -17143,7 +16431,7 @@
 </p:sld>
 </file>
 
-<file path=ppt/slides/slide49.xml><?xml version="1.0" encoding="utf-8"?>
+<file path=ppt/slides/slide43.xml><?xml version="1.0" encoding="utf-8"?>
 <p:sld xmlns:a="http://schemas.openxmlformats.org/drawingml/2006/main" xmlns:r="http://schemas.openxmlformats.org/officeDocument/2006/relationships" xmlns:p="http://schemas.openxmlformats.org/presentationml/2006/main">
   <p:cSld>
     <p:spTree>
@@ -17829,226 +17117,7 @@
 </p:sld>
 </file>
 
-<file path=ppt/slides/slide5.xml><?xml version="1.0" encoding="utf-8"?>
-<p:sld xmlns:a="http://schemas.openxmlformats.org/drawingml/2006/main" xmlns:r="http://schemas.openxmlformats.org/officeDocument/2006/relationships" xmlns:p="http://schemas.openxmlformats.org/presentationml/2006/main">
-  <p:cSld>
-    <p:spTree>
-      <p:nvGrpSpPr>
-        <p:cNvPr id="1" name=""/>
-        <p:cNvGrpSpPr/>
-        <p:nvPr/>
-      </p:nvGrpSpPr>
-      <p:grpSpPr>
-        <a:xfrm>
-          <a:off x="0" y="0"/>
-          <a:ext cx="0" cy="0"/>
-          <a:chOff x="0" y="0"/>
-          <a:chExt cx="0" cy="0"/>
-        </a:xfrm>
-      </p:grpSpPr>
-      <p:sp>
-        <p:nvSpPr>
-          <p:cNvPr id="2" name="Title 1">
-            <a:extLst>
-              <a:ext uri="{FF2B5EF4-FFF2-40B4-BE49-F238E27FC236}">
-                <a16:creationId xmlns:a16="http://schemas.microsoft.com/office/drawing/2014/main" id="{532F139F-1727-FB45-09F1-85E4C320233C}"/>
-              </a:ext>
-            </a:extLst>
-          </p:cNvPr>
-          <p:cNvSpPr>
-            <a:spLocks noGrp="1"/>
-          </p:cNvSpPr>
-          <p:nvPr>
-            <p:ph type="title"/>
-          </p:nvPr>
-        </p:nvSpPr>
-        <p:spPr/>
-        <p:txBody>
-          <a:bodyPr/>
-          <a:lstStyle/>
-          <a:p>
-            <a:r>
-              <a:rPr lang="en-US" dirty="0"/>
-              <a:t>More About My Work</a:t>
-            </a:r>
-          </a:p>
-        </p:txBody>
-      </p:sp>
-      <p:sp>
-        <p:nvSpPr>
-          <p:cNvPr id="6" name="TextBox 5">
-            <a:extLst>
-              <a:ext uri="{FF2B5EF4-FFF2-40B4-BE49-F238E27FC236}">
-                <a16:creationId xmlns:a16="http://schemas.microsoft.com/office/drawing/2014/main" id="{E5811753-CD1E-17EC-C07E-86F6624E0BBB}"/>
-              </a:ext>
-            </a:extLst>
-          </p:cNvPr>
-          <p:cNvSpPr txBox="1"/>
-          <p:nvPr/>
-        </p:nvSpPr>
-        <p:spPr>
-          <a:xfrm>
-            <a:off x="1009650" y="2057400"/>
-            <a:ext cx="7600950" cy="4524315"/>
-          </a:xfrm>
-          <a:prstGeom prst="rect">
-            <a:avLst/>
-          </a:prstGeom>
-          <a:noFill/>
-        </p:spPr>
-        <p:txBody>
-          <a:bodyPr wrap="square" rtlCol="0">
-            <a:spAutoFit/>
-          </a:bodyPr>
-          <a:lstStyle/>
-          <a:p>
-            <a:pPr marL="342900" indent="-342900">
-              <a:buFont typeface="Arial" panose="020B0604020202020204" pitchFamily="34" charset="0"/>
-              <a:buChar char="•"/>
-            </a:pPr>
-            <a:r>
-              <a:rPr lang="en-US" altLang="zh-CN" sz="2400" dirty="0"/>
-              <a:t>PhD thesis: Proving safety of physical systems (e.g. cars)</a:t>
-            </a:r>
-          </a:p>
-          <a:p>
-            <a:pPr marL="342900" indent="-342900">
-              <a:buFont typeface="Arial" panose="020B0604020202020204" pitchFamily="34" charset="0"/>
-              <a:buChar char="•"/>
-            </a:pPr>
-            <a:r>
-              <a:rPr lang="en-US" altLang="zh-CN" sz="2400" dirty="0"/>
-              <a:t>Ranked #2 dissertation in my year at Carnegie Mellon CS</a:t>
-            </a:r>
-          </a:p>
-          <a:p>
-            <a:pPr marL="342900" indent="-342900">
-              <a:buFont typeface="Arial" panose="020B0604020202020204" pitchFamily="34" charset="0"/>
-              <a:buChar char="•"/>
-            </a:pPr>
-            <a:r>
-              <a:rPr lang="en-US" altLang="zh-CN" sz="2400" dirty="0"/>
-              <a:t>A lot of math: formal logic, mathematical games, real analysis, ordinal arithmetic, and so on…</a:t>
-            </a:r>
-          </a:p>
-          <a:p>
-            <a:pPr marL="342900" indent="-342900">
-              <a:buFont typeface="Arial" panose="020B0604020202020204" pitchFamily="34" charset="0"/>
-              <a:buChar char="•"/>
-            </a:pPr>
-            <a:r>
-              <a:rPr lang="en-US" altLang="zh-CN" sz="2400" dirty="0"/>
-              <a:t>I still have strong collaborations on this topic with the National Institute of Informatics in Tokyo</a:t>
-            </a:r>
-          </a:p>
-          <a:p>
-            <a:pPr marL="342900" indent="-342900">
-              <a:buFont typeface="Arial" panose="020B0604020202020204" pitchFamily="34" charset="0"/>
-              <a:buChar char="•"/>
-            </a:pPr>
-            <a:endParaRPr lang="en-US" altLang="zh-CN" sz="2400" dirty="0"/>
-          </a:p>
-          <a:p>
-            <a:pPr marL="342900" indent="-342900">
-              <a:buFont typeface="Arial" panose="020B0604020202020204" pitchFamily="34" charset="0"/>
-              <a:buChar char="•"/>
-            </a:pPr>
-            <a:r>
-              <a:rPr lang="en-US" altLang="zh-CN" sz="2400" dirty="0"/>
-              <a:t>Nowadays: Also very interested in human-computer interaction (HCI)</a:t>
-            </a:r>
-          </a:p>
-          <a:p>
-            <a:pPr marL="342900" indent="-342900">
-              <a:buFont typeface="Arial" panose="020B0604020202020204" pitchFamily="34" charset="0"/>
-              <a:buChar char="•"/>
-            </a:pPr>
-            <a:r>
-              <a:rPr lang="en-US" altLang="zh-CN" sz="2400" b="1" dirty="0"/>
-              <a:t>This course combines both of my interests:</a:t>
-            </a:r>
-            <a:br>
-              <a:rPr lang="en-US" altLang="zh-CN" sz="2400" b="1" dirty="0"/>
-            </a:br>
-            <a:r>
-              <a:rPr lang="en-US" altLang="zh-CN" sz="2400" b="1" dirty="0"/>
-              <a:t>Programming Languages + Design = Math + People!</a:t>
-            </a:r>
-          </a:p>
-          <a:p>
-            <a:endParaRPr lang="en-US" sz="2400" dirty="0"/>
-          </a:p>
-        </p:txBody>
-      </p:sp>
-      <p:sp>
-        <p:nvSpPr>
-          <p:cNvPr id="4" name="Content Placeholder 3">
-            <a:extLst>
-              <a:ext uri="{FF2B5EF4-FFF2-40B4-BE49-F238E27FC236}">
-                <a16:creationId xmlns:a16="http://schemas.microsoft.com/office/drawing/2014/main" id="{E963E483-C089-49BE-83D7-BDDA18AEE108}"/>
-              </a:ext>
-            </a:extLst>
-          </p:cNvPr>
-          <p:cNvSpPr>
-            <a:spLocks noGrp="1"/>
-          </p:cNvSpPr>
-          <p:nvPr>
-            <p:ph idx="1"/>
-          </p:nvPr>
-        </p:nvSpPr>
-        <p:spPr/>
-        <p:txBody>
-          <a:bodyPr/>
-          <a:lstStyle/>
-          <a:p>
-            <a:endParaRPr lang="en-US"/>
-          </a:p>
-        </p:txBody>
-      </p:sp>
-      <p:pic>
-        <p:nvPicPr>
-          <p:cNvPr id="8" name="Picture 7">
-            <a:extLst>
-              <a:ext uri="{FF2B5EF4-FFF2-40B4-BE49-F238E27FC236}">
-                <a16:creationId xmlns:a16="http://schemas.microsoft.com/office/drawing/2014/main" id="{04F7800D-E7C7-E7DC-EA4A-A6881477388F}"/>
-              </a:ext>
-            </a:extLst>
-          </p:cNvPr>
-          <p:cNvPicPr>
-            <a:picLocks noChangeAspect="1"/>
-          </p:cNvPicPr>
-          <p:nvPr/>
-        </p:nvPicPr>
-        <p:blipFill>
-          <a:blip r:embed="rId2"/>
-          <a:stretch>
-            <a:fillRect/>
-          </a:stretch>
-        </p:blipFill>
-        <p:spPr>
-          <a:xfrm>
-            <a:off x="8698230" y="2057400"/>
-            <a:ext cx="3248892" cy="2556298"/>
-          </a:xfrm>
-          <a:prstGeom prst="rect">
-            <a:avLst/>
-          </a:prstGeom>
-        </p:spPr>
-      </p:pic>
-    </p:spTree>
-    <p:extLst>
-      <p:ext uri="{BB962C8B-B14F-4D97-AF65-F5344CB8AC3E}">
-        <p14:creationId xmlns:p14="http://schemas.microsoft.com/office/powerpoint/2010/main" val="3058096309"/>
-      </p:ext>
-    </p:extLst>
-  </p:cSld>
-  <p:clrMapOvr>
-    <a:masterClrMapping/>
-  </p:clrMapOvr>
-</p:sld>
-</file>
-
-<file path=ppt/slides/slide50.xml><?xml version="1.0" encoding="utf-8"?>
+<file path=ppt/slides/slide44.xml><?xml version="1.0" encoding="utf-8"?>
 <p:sld xmlns:a="http://schemas.openxmlformats.org/drawingml/2006/main" xmlns:r="http://schemas.openxmlformats.org/officeDocument/2006/relationships" xmlns:p="http://schemas.openxmlformats.org/presentationml/2006/main">
   <p:cSld>
     <p:spTree>
@@ -18752,7 +17821,7 @@
 </p:sld>
 </file>
 
-<file path=ppt/slides/slide51.xml><?xml version="1.0" encoding="utf-8"?>
+<file path=ppt/slides/slide45.xml><?xml version="1.0" encoding="utf-8"?>
 <p:sld xmlns:a="http://schemas.openxmlformats.org/drawingml/2006/main" xmlns:r="http://schemas.openxmlformats.org/officeDocument/2006/relationships" xmlns:p="http://schemas.openxmlformats.org/presentationml/2006/main">
   <p:cSld>
     <p:spTree>
@@ -18844,7 +17913,7 @@
 </p:sld>
 </file>
 
-<file path=ppt/slides/slide52.xml><?xml version="1.0" encoding="utf-8"?>
+<file path=ppt/slides/slide46.xml><?xml version="1.0" encoding="utf-8"?>
 <p:sld xmlns:a="http://schemas.openxmlformats.org/drawingml/2006/main" xmlns:r="http://schemas.openxmlformats.org/officeDocument/2006/relationships" xmlns:p="http://schemas.openxmlformats.org/presentationml/2006/main">
   <p:cSld>
     <p:spTree>
@@ -18990,7 +18059,7 @@
           <a:p>
             <a:fld id="{35FEF863-E852-4BEF-80E4-638F599BECAC}" type="slidenum">
               <a:rPr lang="en-US" smtClean="0"/>
-              <a:t>52</a:t>
+              <a:t>46</a:t>
             </a:fld>
             <a:endParaRPr lang="en-US"/>
           </a:p>
@@ -19483,6 +18552,1234 @@
 </p:sld>
 </file>
 
+<file path=ppt/slides/slide47.xml><?xml version="1.0" encoding="utf-8"?>
+<p:sld xmlns:a="http://schemas.openxmlformats.org/drawingml/2006/main" xmlns:r="http://schemas.openxmlformats.org/officeDocument/2006/relationships" xmlns:p="http://schemas.openxmlformats.org/presentationml/2006/main">
+  <p:cSld>
+    <p:spTree>
+      <p:nvGrpSpPr>
+        <p:cNvPr id="1" name=""/>
+        <p:cNvGrpSpPr/>
+        <p:nvPr/>
+      </p:nvGrpSpPr>
+      <p:grpSpPr>
+        <a:xfrm>
+          <a:off x="0" y="0"/>
+          <a:ext cx="0" cy="0"/>
+          <a:chOff x="0" y="0"/>
+          <a:chExt cx="0" cy="0"/>
+        </a:xfrm>
+      </p:grpSpPr>
+      <p:sp>
+        <p:nvSpPr>
+          <p:cNvPr id="2" name="Title 1">
+            <a:extLst>
+              <a:ext uri="{FF2B5EF4-FFF2-40B4-BE49-F238E27FC236}">
+                <a16:creationId xmlns:a16="http://schemas.microsoft.com/office/drawing/2014/main" id="{09B5ACE0-C471-4B26-932C-639315F39C2B}"/>
+              </a:ext>
+            </a:extLst>
+          </p:cNvPr>
+          <p:cNvSpPr>
+            <a:spLocks noGrp="1"/>
+          </p:cNvSpPr>
+          <p:nvPr>
+            <p:ph type="title"/>
+          </p:nvPr>
+        </p:nvSpPr>
+        <p:spPr/>
+        <p:txBody>
+          <a:bodyPr/>
+          <a:lstStyle/>
+          <a:p>
+            <a:r>
+              <a:rPr lang="en-US" dirty="0"/>
+              <a:t>Syntax: The Hardest Solved Problem in PL</a:t>
+            </a:r>
+          </a:p>
+        </p:txBody>
+      </p:sp>
+      <p:sp>
+        <p:nvSpPr>
+          <p:cNvPr id="3" name="Content Placeholder 2">
+            <a:extLst>
+              <a:ext uri="{FF2B5EF4-FFF2-40B4-BE49-F238E27FC236}">
+                <a16:creationId xmlns:a16="http://schemas.microsoft.com/office/drawing/2014/main" id="{FCC5602A-3F9B-4DFA-9431-5E2B931606D3}"/>
+              </a:ext>
+            </a:extLst>
+          </p:cNvPr>
+          <p:cNvSpPr>
+            <a:spLocks noGrp="1"/>
+          </p:cNvSpPr>
+          <p:nvPr>
+            <p:ph idx="1"/>
+          </p:nvPr>
+        </p:nvSpPr>
+        <p:spPr/>
+        <p:txBody>
+          <a:bodyPr>
+            <a:normAutofit/>
+          </a:bodyPr>
+          <a:lstStyle/>
+          <a:p>
+            <a:r>
+              <a:rPr lang="en-US" dirty="0"/>
+              <a:t>We revisit core tools from CS 3133, this time with an emphasis on the Implementer:</a:t>
+            </a:r>
+          </a:p>
+          <a:p>
+            <a:pPr lvl="1"/>
+            <a:r>
+              <a:rPr lang="en-US" dirty="0"/>
+              <a:t>Regular expressions: Parse basic building blocks</a:t>
+            </a:r>
+          </a:p>
+          <a:p>
+            <a:pPr lvl="1"/>
+            <a:r>
+              <a:rPr lang="en-US" dirty="0"/>
+              <a:t>Context-free grammars: Parse complex structures, declaratively</a:t>
+            </a:r>
+          </a:p>
+          <a:p>
+            <a:pPr lvl="1"/>
+            <a:r>
+              <a:rPr lang="en-US" dirty="0"/>
+              <a:t>Parsing expression grammars: Parse complex structures, directly</a:t>
+            </a:r>
+            <a:endParaRPr lang="en-US" b="1" dirty="0"/>
+          </a:p>
+          <a:p>
+            <a:r>
+              <a:rPr lang="en-US" dirty="0"/>
+              <a:t>The above tools allow us to specify and implement a syntax precisely</a:t>
+            </a:r>
+          </a:p>
+          <a:p>
+            <a:r>
+              <a:rPr lang="en-US" dirty="0"/>
+              <a:t>How do we identify a syntax that makes programmers happy or minimizes their error rate?</a:t>
+            </a:r>
+            <a:br>
+              <a:rPr lang="en-US" dirty="0"/>
+            </a:br>
+            <a:r>
+              <a:rPr lang="en-US" b="1" dirty="0"/>
+              <a:t>We explore this question through the lens of the Social Scientist</a:t>
+            </a:r>
+            <a:endParaRPr lang="en-US" dirty="0"/>
+          </a:p>
+        </p:txBody>
+      </p:sp>
+      <p:sp>
+        <p:nvSpPr>
+          <p:cNvPr id="4" name="Slide Number Placeholder 3">
+            <a:extLst>
+              <a:ext uri="{FF2B5EF4-FFF2-40B4-BE49-F238E27FC236}">
+                <a16:creationId xmlns:a16="http://schemas.microsoft.com/office/drawing/2014/main" id="{96DEC4A9-A119-43AD-8DE4-1AFBC7B8F770}"/>
+              </a:ext>
+            </a:extLst>
+          </p:cNvPr>
+          <p:cNvSpPr>
+            <a:spLocks noGrp="1"/>
+          </p:cNvSpPr>
+          <p:nvPr>
+            <p:ph type="sldNum" sz="quarter" idx="12"/>
+          </p:nvPr>
+        </p:nvSpPr>
+        <p:spPr/>
+        <p:txBody>
+          <a:bodyPr/>
+          <a:lstStyle/>
+          <a:p>
+            <a:fld id="{35FEF863-E852-4BEF-80E4-638F599BECAC}" type="slidenum">
+              <a:rPr lang="en-US" smtClean="0"/>
+              <a:t>47</a:t>
+            </a:fld>
+            <a:endParaRPr lang="en-US"/>
+          </a:p>
+        </p:txBody>
+      </p:sp>
+    </p:spTree>
+    <p:extLst>
+      <p:ext uri="{BB962C8B-B14F-4D97-AF65-F5344CB8AC3E}">
+        <p14:creationId xmlns:p14="http://schemas.microsoft.com/office/powerpoint/2010/main" val="124586083"/>
+      </p:ext>
+    </p:extLst>
+  </p:cSld>
+  <p:clrMapOvr>
+    <a:masterClrMapping/>
+  </p:clrMapOvr>
+</p:sld>
+</file>
+
+<file path=ppt/slides/slide48.xml><?xml version="1.0" encoding="utf-8"?>
+<p:sld xmlns:a="http://schemas.openxmlformats.org/drawingml/2006/main" xmlns:r="http://schemas.openxmlformats.org/officeDocument/2006/relationships" xmlns:p="http://schemas.openxmlformats.org/presentationml/2006/main">
+  <p:cSld>
+    <p:spTree>
+      <p:nvGrpSpPr>
+        <p:cNvPr id="1" name=""/>
+        <p:cNvGrpSpPr/>
+        <p:nvPr/>
+      </p:nvGrpSpPr>
+      <p:grpSpPr>
+        <a:xfrm>
+          <a:off x="0" y="0"/>
+          <a:ext cx="0" cy="0"/>
+          <a:chOff x="0" y="0"/>
+          <a:chExt cx="0" cy="0"/>
+        </a:xfrm>
+      </p:grpSpPr>
+      <p:sp>
+        <p:nvSpPr>
+          <p:cNvPr id="2" name="Title 1">
+            <a:extLst>
+              <a:ext uri="{FF2B5EF4-FFF2-40B4-BE49-F238E27FC236}">
+                <a16:creationId xmlns:a16="http://schemas.microsoft.com/office/drawing/2014/main" id="{A372DCFD-31E8-4DB6-B8CB-C14BD993378B}"/>
+              </a:ext>
+            </a:extLst>
+          </p:cNvPr>
+          <p:cNvSpPr>
+            <a:spLocks noGrp="1"/>
+          </p:cNvSpPr>
+          <p:nvPr>
+            <p:ph type="title"/>
+          </p:nvPr>
+        </p:nvSpPr>
+        <p:spPr/>
+        <p:txBody>
+          <a:bodyPr/>
+          <a:lstStyle/>
+          <a:p>
+            <a:r>
+              <a:rPr lang="en-US" dirty="0" err="1"/>
+              <a:t>Execution+Semantics</a:t>
+            </a:r>
+            <a:r>
+              <a:rPr lang="en-US" dirty="0"/>
+              <a:t>: What Did You Do?</a:t>
+            </a:r>
+          </a:p>
+        </p:txBody>
+      </p:sp>
+      <p:sp>
+        <p:nvSpPr>
+          <p:cNvPr id="3" name="Content Placeholder 2">
+            <a:extLst>
+              <a:ext uri="{FF2B5EF4-FFF2-40B4-BE49-F238E27FC236}">
+                <a16:creationId xmlns:a16="http://schemas.microsoft.com/office/drawing/2014/main" id="{1BA1DBBB-A34F-4B2E-9A24-CF4646CCEA72}"/>
+              </a:ext>
+            </a:extLst>
+          </p:cNvPr>
+          <p:cNvSpPr>
+            <a:spLocks noGrp="1"/>
+          </p:cNvSpPr>
+          <p:nvPr>
+            <p:ph idx="1"/>
+          </p:nvPr>
+        </p:nvSpPr>
+        <p:spPr/>
+        <p:txBody>
+          <a:bodyPr>
+            <a:normAutofit/>
+          </a:bodyPr>
+          <a:lstStyle/>
+          <a:p>
+            <a:r>
+              <a:rPr lang="en-US" dirty="0"/>
+              <a:t>To design correct programs and languages, we must know what a program means. Semantics is the study of what programs mean.</a:t>
+            </a:r>
+          </a:p>
+          <a:p>
+            <a:r>
+              <a:rPr lang="en-US" dirty="0"/>
+              <a:t>Different theories of semantics give different perspectives:</a:t>
+            </a:r>
+          </a:p>
+          <a:p>
+            <a:pPr lvl="1"/>
+            <a:r>
+              <a:rPr lang="en-US" b="1" dirty="0"/>
+              <a:t>Operational Semantics: </a:t>
+            </a:r>
+            <a:r>
+              <a:rPr lang="en-US" dirty="0"/>
+              <a:t>How does it run?</a:t>
+            </a:r>
+          </a:p>
+          <a:p>
+            <a:pPr lvl="2"/>
+            <a:r>
+              <a:rPr lang="en-US" b="1" dirty="0" err="1"/>
+              <a:t>Intepreter</a:t>
+            </a:r>
+            <a:r>
+              <a:rPr lang="en-US" b="1" dirty="0"/>
+              <a:t> (the </a:t>
+            </a:r>
+            <a:r>
+              <a:rPr lang="en-US" b="1" dirty="0" err="1"/>
+              <a:t>homeworks</a:t>
+            </a:r>
+            <a:r>
+              <a:rPr lang="en-US" b="1" dirty="0"/>
+              <a:t>)</a:t>
+            </a:r>
+            <a:r>
+              <a:rPr lang="en-US" dirty="0"/>
+              <a:t>: A program that implements operational semantics</a:t>
+            </a:r>
+          </a:p>
+          <a:p>
+            <a:pPr lvl="1"/>
+            <a:r>
+              <a:rPr lang="en-US" dirty="0"/>
+              <a:t>Equational semantics: When are two programs “the same”?</a:t>
+            </a:r>
+          </a:p>
+          <a:p>
+            <a:r>
+              <a:rPr lang="en-US" b="1" dirty="0"/>
+              <a:t>You will implement an interpreter using an operational semantics</a:t>
+            </a:r>
+          </a:p>
+          <a:p>
+            <a:pPr lvl="1"/>
+            <a:endParaRPr lang="en-US" b="1" dirty="0"/>
+          </a:p>
+          <a:p>
+            <a:pPr lvl="1"/>
+            <a:endParaRPr lang="en-US" dirty="0"/>
+          </a:p>
+          <a:p>
+            <a:endParaRPr lang="en-US" dirty="0"/>
+          </a:p>
+        </p:txBody>
+      </p:sp>
+      <p:sp>
+        <p:nvSpPr>
+          <p:cNvPr id="4" name="Slide Number Placeholder 3">
+            <a:extLst>
+              <a:ext uri="{FF2B5EF4-FFF2-40B4-BE49-F238E27FC236}">
+                <a16:creationId xmlns:a16="http://schemas.microsoft.com/office/drawing/2014/main" id="{55AF0814-7B14-422B-90E8-360A8CE41C23}"/>
+              </a:ext>
+            </a:extLst>
+          </p:cNvPr>
+          <p:cNvSpPr>
+            <a:spLocks noGrp="1"/>
+          </p:cNvSpPr>
+          <p:nvPr>
+            <p:ph type="sldNum" sz="quarter" idx="12"/>
+          </p:nvPr>
+        </p:nvSpPr>
+        <p:spPr/>
+        <p:txBody>
+          <a:bodyPr/>
+          <a:lstStyle/>
+          <a:p>
+            <a:fld id="{35FEF863-E852-4BEF-80E4-638F599BECAC}" type="slidenum">
+              <a:rPr lang="en-US" smtClean="0"/>
+              <a:t>48</a:t>
+            </a:fld>
+            <a:endParaRPr lang="en-US"/>
+          </a:p>
+        </p:txBody>
+      </p:sp>
+    </p:spTree>
+    <p:extLst>
+      <p:ext uri="{BB962C8B-B14F-4D97-AF65-F5344CB8AC3E}">
+        <p14:creationId xmlns:p14="http://schemas.microsoft.com/office/powerpoint/2010/main" val="1054142458"/>
+      </p:ext>
+    </p:extLst>
+  </p:cSld>
+  <p:clrMapOvr>
+    <a:masterClrMapping/>
+  </p:clrMapOvr>
+</p:sld>
+</file>
+
+<file path=ppt/slides/slide49.xml><?xml version="1.0" encoding="utf-8"?>
+<p:sld xmlns:a="http://schemas.openxmlformats.org/drawingml/2006/main" xmlns:r="http://schemas.openxmlformats.org/officeDocument/2006/relationships" xmlns:p="http://schemas.openxmlformats.org/presentationml/2006/main">
+  <p:cSld>
+    <p:spTree>
+      <p:nvGrpSpPr>
+        <p:cNvPr id="1" name=""/>
+        <p:cNvGrpSpPr/>
+        <p:nvPr/>
+      </p:nvGrpSpPr>
+      <p:grpSpPr>
+        <a:xfrm>
+          <a:off x="0" y="0"/>
+          <a:ext cx="0" cy="0"/>
+          <a:chOff x="0" y="0"/>
+          <a:chExt cx="0" cy="0"/>
+        </a:xfrm>
+      </p:grpSpPr>
+      <p:sp>
+        <p:nvSpPr>
+          <p:cNvPr id="2" name="Title 1">
+            <a:extLst>
+              <a:ext uri="{FF2B5EF4-FFF2-40B4-BE49-F238E27FC236}">
+                <a16:creationId xmlns:a16="http://schemas.microsoft.com/office/drawing/2014/main" id="{7B01F0FB-CAEA-4929-A49F-F4C8079BCC2C}"/>
+              </a:ext>
+            </a:extLst>
+          </p:cNvPr>
+          <p:cNvSpPr>
+            <a:spLocks noGrp="1"/>
+          </p:cNvSpPr>
+          <p:nvPr>
+            <p:ph type="title"/>
+          </p:nvPr>
+        </p:nvSpPr>
+        <p:spPr/>
+        <p:txBody>
+          <a:bodyPr/>
+          <a:lstStyle/>
+          <a:p>
+            <a:r>
+              <a:rPr lang="en-US" dirty="0"/>
+              <a:t>Static Types: Predictions About Programs </a:t>
+            </a:r>
+          </a:p>
+        </p:txBody>
+      </p:sp>
+      <p:sp>
+        <p:nvSpPr>
+          <p:cNvPr id="3" name="Content Placeholder 2">
+            <a:extLst>
+              <a:ext uri="{FF2B5EF4-FFF2-40B4-BE49-F238E27FC236}">
+                <a16:creationId xmlns:a16="http://schemas.microsoft.com/office/drawing/2014/main" id="{C9FCE9A3-E69F-48B2-B88A-5A89E8B1267B}"/>
+              </a:ext>
+            </a:extLst>
+          </p:cNvPr>
+          <p:cNvSpPr>
+            <a:spLocks noGrp="1"/>
+          </p:cNvSpPr>
+          <p:nvPr>
+            <p:ph idx="1"/>
+          </p:nvPr>
+        </p:nvSpPr>
+        <p:spPr/>
+        <p:txBody>
+          <a:bodyPr>
+            <a:normAutofit/>
+          </a:bodyPr>
+          <a:lstStyle/>
+          <a:p>
+            <a:r>
+              <a:rPr lang="en-US" dirty="0"/>
+              <a:t>Types let us know something about a program without running it</a:t>
+            </a:r>
+          </a:p>
+          <a:p>
+            <a:r>
+              <a:rPr lang="en-US" dirty="0"/>
+              <a:t>Example Theorem: If the program </a:t>
+            </a:r>
+            <a:r>
+              <a:rPr lang="en-US" i="1" dirty="0"/>
+              <a:t>e</a:t>
+            </a:r>
+            <a:r>
+              <a:rPr lang="en-US" dirty="0"/>
+              <a:t> has type the </a:t>
+            </a:r>
+            <a:r>
+              <a:rPr lang="en-US" i="1" dirty="0"/>
+              <a:t>int</a:t>
+            </a:r>
+            <a:r>
+              <a:rPr lang="en-US" dirty="0"/>
+              <a:t> (written </a:t>
+            </a:r>
+            <a:r>
+              <a:rPr lang="en-US" i="1" dirty="0"/>
+              <a:t>e : int</a:t>
+            </a:r>
+            <a:r>
+              <a:rPr lang="en-US" dirty="0"/>
+              <a:t>) and </a:t>
+            </a:r>
+            <a:r>
+              <a:rPr lang="en-US" i="1" dirty="0"/>
+              <a:t>e</a:t>
+            </a:r>
+            <a:r>
+              <a:rPr lang="en-US" dirty="0"/>
+              <a:t> terminates, the result is an integer</a:t>
+            </a:r>
+          </a:p>
+          <a:p>
+            <a:r>
+              <a:rPr lang="en-US" dirty="0"/>
+              <a:t>Types catch lots of common programming mistakes </a:t>
+            </a:r>
+            <a:br>
+              <a:rPr lang="en-US" dirty="0"/>
+            </a:br>
+            <a:r>
+              <a:rPr lang="en-US" dirty="0"/>
+              <a:t>(e.g., I wanted a number but got a string).</a:t>
+            </a:r>
+          </a:p>
+          <a:p>
+            <a:r>
+              <a:rPr lang="en-US" i="1" dirty="0"/>
+              <a:t>What about dynamic types?</a:t>
+            </a:r>
+            <a:endParaRPr lang="en-US" dirty="0"/>
+          </a:p>
+          <a:p>
+            <a:pPr lvl="1"/>
+            <a:r>
+              <a:rPr lang="en-US" dirty="0"/>
+              <a:t>They are not static predictions about programs</a:t>
+            </a:r>
+          </a:p>
+          <a:p>
+            <a:pPr lvl="1"/>
+            <a:r>
+              <a:rPr lang="en-US" dirty="0"/>
+              <a:t>We talk about them less, because theory has less to say about them</a:t>
+            </a:r>
+          </a:p>
+          <a:p>
+            <a:pPr lvl="2"/>
+            <a:r>
+              <a:rPr lang="en-US" dirty="0"/>
+              <a:t>This does not make them evil</a:t>
+            </a:r>
+          </a:p>
+          <a:p>
+            <a:r>
+              <a:rPr lang="en-US" b="1" dirty="0"/>
+              <a:t>You will implement a type-checker for a static type system</a:t>
+            </a:r>
+          </a:p>
+        </p:txBody>
+      </p:sp>
+      <p:sp>
+        <p:nvSpPr>
+          <p:cNvPr id="4" name="Slide Number Placeholder 3">
+            <a:extLst>
+              <a:ext uri="{FF2B5EF4-FFF2-40B4-BE49-F238E27FC236}">
+                <a16:creationId xmlns:a16="http://schemas.microsoft.com/office/drawing/2014/main" id="{DDC76A0A-5EE3-4D96-8E71-A05727ABFE26}"/>
+              </a:ext>
+            </a:extLst>
+          </p:cNvPr>
+          <p:cNvSpPr>
+            <a:spLocks noGrp="1"/>
+          </p:cNvSpPr>
+          <p:nvPr>
+            <p:ph type="sldNum" sz="quarter" idx="12"/>
+          </p:nvPr>
+        </p:nvSpPr>
+        <p:spPr/>
+        <p:txBody>
+          <a:bodyPr/>
+          <a:lstStyle/>
+          <a:p>
+            <a:fld id="{35FEF863-E852-4BEF-80E4-638F599BECAC}" type="slidenum">
+              <a:rPr lang="en-US" smtClean="0"/>
+              <a:t>49</a:t>
+            </a:fld>
+            <a:endParaRPr lang="en-US"/>
+          </a:p>
+        </p:txBody>
+      </p:sp>
+    </p:spTree>
+    <p:extLst>
+      <p:ext uri="{BB962C8B-B14F-4D97-AF65-F5344CB8AC3E}">
+        <p14:creationId xmlns:p14="http://schemas.microsoft.com/office/powerpoint/2010/main" val="1661854987"/>
+      </p:ext>
+    </p:extLst>
+  </p:cSld>
+  <p:clrMapOvr>
+    <a:masterClrMapping/>
+  </p:clrMapOvr>
+</p:sld>
+</file>
+
+<file path=ppt/slides/slide5.xml><?xml version="1.0" encoding="utf-8"?>
+<p:sld xmlns:a="http://schemas.openxmlformats.org/drawingml/2006/main" xmlns:r="http://schemas.openxmlformats.org/officeDocument/2006/relationships" xmlns:p="http://schemas.openxmlformats.org/presentationml/2006/main">
+  <p:cSld>
+    <p:spTree>
+      <p:nvGrpSpPr>
+        <p:cNvPr id="1" name=""/>
+        <p:cNvGrpSpPr/>
+        <p:nvPr/>
+      </p:nvGrpSpPr>
+      <p:grpSpPr>
+        <a:xfrm>
+          <a:off x="0" y="0"/>
+          <a:ext cx="0" cy="0"/>
+          <a:chOff x="0" y="0"/>
+          <a:chExt cx="0" cy="0"/>
+        </a:xfrm>
+      </p:grpSpPr>
+      <p:sp>
+        <p:nvSpPr>
+          <p:cNvPr id="2" name="Title 1">
+            <a:extLst>
+              <a:ext uri="{FF2B5EF4-FFF2-40B4-BE49-F238E27FC236}">
+                <a16:creationId xmlns:a16="http://schemas.microsoft.com/office/drawing/2014/main" id="{532F139F-1727-FB45-09F1-85E4C320233C}"/>
+              </a:ext>
+            </a:extLst>
+          </p:cNvPr>
+          <p:cNvSpPr>
+            <a:spLocks noGrp="1"/>
+          </p:cNvSpPr>
+          <p:nvPr>
+            <p:ph type="title"/>
+          </p:nvPr>
+        </p:nvSpPr>
+        <p:spPr/>
+        <p:txBody>
+          <a:bodyPr/>
+          <a:lstStyle/>
+          <a:p>
+            <a:r>
+              <a:rPr lang="en-US" dirty="0"/>
+              <a:t>More About My Work</a:t>
+            </a:r>
+          </a:p>
+        </p:txBody>
+      </p:sp>
+      <p:sp>
+        <p:nvSpPr>
+          <p:cNvPr id="6" name="TextBox 5">
+            <a:extLst>
+              <a:ext uri="{FF2B5EF4-FFF2-40B4-BE49-F238E27FC236}">
+                <a16:creationId xmlns:a16="http://schemas.microsoft.com/office/drawing/2014/main" id="{E5811753-CD1E-17EC-C07E-86F6624E0BBB}"/>
+              </a:ext>
+            </a:extLst>
+          </p:cNvPr>
+          <p:cNvSpPr txBox="1"/>
+          <p:nvPr/>
+        </p:nvSpPr>
+        <p:spPr>
+          <a:xfrm>
+            <a:off x="1009650" y="2057400"/>
+            <a:ext cx="7600950" cy="4524315"/>
+          </a:xfrm>
+          <a:prstGeom prst="rect">
+            <a:avLst/>
+          </a:prstGeom>
+          <a:noFill/>
+        </p:spPr>
+        <p:txBody>
+          <a:bodyPr wrap="square" rtlCol="0">
+            <a:spAutoFit/>
+          </a:bodyPr>
+          <a:lstStyle/>
+          <a:p>
+            <a:pPr marL="342900" indent="-342900">
+              <a:buFont typeface="Arial" panose="020B0604020202020204" pitchFamily="34" charset="0"/>
+              <a:buChar char="•"/>
+            </a:pPr>
+            <a:r>
+              <a:rPr lang="en-US" altLang="zh-CN" sz="2400" dirty="0"/>
+              <a:t>PhD thesis: Proving safety of physical systems (e.g. cars)</a:t>
+            </a:r>
+          </a:p>
+          <a:p>
+            <a:pPr marL="342900" indent="-342900">
+              <a:buFont typeface="Arial" panose="020B0604020202020204" pitchFamily="34" charset="0"/>
+              <a:buChar char="•"/>
+            </a:pPr>
+            <a:r>
+              <a:rPr lang="en-US" altLang="zh-CN" sz="2400" dirty="0"/>
+              <a:t>Ranked #2 dissertation in my year at Carnegie Mellon CS</a:t>
+            </a:r>
+          </a:p>
+          <a:p>
+            <a:pPr marL="342900" indent="-342900">
+              <a:buFont typeface="Arial" panose="020B0604020202020204" pitchFamily="34" charset="0"/>
+              <a:buChar char="•"/>
+            </a:pPr>
+            <a:r>
+              <a:rPr lang="en-US" altLang="zh-CN" sz="2400" dirty="0"/>
+              <a:t>A lot of math: formal logic, mathematical games, real analysis, ordinal arithmetic, and so on…</a:t>
+            </a:r>
+          </a:p>
+          <a:p>
+            <a:pPr marL="342900" indent="-342900">
+              <a:buFont typeface="Arial" panose="020B0604020202020204" pitchFamily="34" charset="0"/>
+              <a:buChar char="•"/>
+            </a:pPr>
+            <a:r>
+              <a:rPr lang="en-US" altLang="zh-CN" sz="2400" dirty="0"/>
+              <a:t>I still have strong collaborations on this topic with the National Institute of Informatics in Tokyo</a:t>
+            </a:r>
+          </a:p>
+          <a:p>
+            <a:pPr marL="342900" indent="-342900">
+              <a:buFont typeface="Arial" panose="020B0604020202020204" pitchFamily="34" charset="0"/>
+              <a:buChar char="•"/>
+            </a:pPr>
+            <a:endParaRPr lang="en-US" altLang="zh-CN" sz="2400" dirty="0"/>
+          </a:p>
+          <a:p>
+            <a:pPr marL="342900" indent="-342900">
+              <a:buFont typeface="Arial" panose="020B0604020202020204" pitchFamily="34" charset="0"/>
+              <a:buChar char="•"/>
+            </a:pPr>
+            <a:r>
+              <a:rPr lang="en-US" altLang="zh-CN" sz="2400" dirty="0"/>
+              <a:t>Nowadays: Also very interested in human-computer interaction (HCI)</a:t>
+            </a:r>
+          </a:p>
+          <a:p>
+            <a:pPr marL="342900" indent="-342900">
+              <a:buFont typeface="Arial" panose="020B0604020202020204" pitchFamily="34" charset="0"/>
+              <a:buChar char="•"/>
+            </a:pPr>
+            <a:r>
+              <a:rPr lang="en-US" altLang="zh-CN" sz="2400" b="1" dirty="0"/>
+              <a:t>This course combines both of my interests:</a:t>
+            </a:r>
+            <a:br>
+              <a:rPr lang="en-US" altLang="zh-CN" sz="2400" b="1" dirty="0"/>
+            </a:br>
+            <a:r>
+              <a:rPr lang="en-US" altLang="zh-CN" sz="2400" b="1" dirty="0"/>
+              <a:t>Programming Languages + Design = Math + People!</a:t>
+            </a:r>
+          </a:p>
+          <a:p>
+            <a:endParaRPr lang="en-US" sz="2400" dirty="0"/>
+          </a:p>
+        </p:txBody>
+      </p:sp>
+      <p:sp>
+        <p:nvSpPr>
+          <p:cNvPr id="4" name="Content Placeholder 3">
+            <a:extLst>
+              <a:ext uri="{FF2B5EF4-FFF2-40B4-BE49-F238E27FC236}">
+                <a16:creationId xmlns:a16="http://schemas.microsoft.com/office/drawing/2014/main" id="{E963E483-C089-49BE-83D7-BDDA18AEE108}"/>
+              </a:ext>
+            </a:extLst>
+          </p:cNvPr>
+          <p:cNvSpPr>
+            <a:spLocks noGrp="1"/>
+          </p:cNvSpPr>
+          <p:nvPr>
+            <p:ph idx="1"/>
+          </p:nvPr>
+        </p:nvSpPr>
+        <p:spPr/>
+        <p:txBody>
+          <a:bodyPr/>
+          <a:lstStyle/>
+          <a:p>
+            <a:endParaRPr lang="en-US"/>
+          </a:p>
+        </p:txBody>
+      </p:sp>
+      <p:pic>
+        <p:nvPicPr>
+          <p:cNvPr id="8" name="Picture 7">
+            <a:extLst>
+              <a:ext uri="{FF2B5EF4-FFF2-40B4-BE49-F238E27FC236}">
+                <a16:creationId xmlns:a16="http://schemas.microsoft.com/office/drawing/2014/main" id="{04F7800D-E7C7-E7DC-EA4A-A6881477388F}"/>
+              </a:ext>
+            </a:extLst>
+          </p:cNvPr>
+          <p:cNvPicPr>
+            <a:picLocks noChangeAspect="1"/>
+          </p:cNvPicPr>
+          <p:nvPr/>
+        </p:nvPicPr>
+        <p:blipFill>
+          <a:blip r:embed="rId2"/>
+          <a:stretch>
+            <a:fillRect/>
+          </a:stretch>
+        </p:blipFill>
+        <p:spPr>
+          <a:xfrm>
+            <a:off x="8698230" y="2057400"/>
+            <a:ext cx="3248892" cy="2556298"/>
+          </a:xfrm>
+          <a:prstGeom prst="rect">
+            <a:avLst/>
+          </a:prstGeom>
+        </p:spPr>
+      </p:pic>
+    </p:spTree>
+    <p:extLst>
+      <p:ext uri="{BB962C8B-B14F-4D97-AF65-F5344CB8AC3E}">
+        <p14:creationId xmlns:p14="http://schemas.microsoft.com/office/powerpoint/2010/main" val="3058096309"/>
+      </p:ext>
+    </p:extLst>
+  </p:cSld>
+  <p:clrMapOvr>
+    <a:masterClrMapping/>
+  </p:clrMapOvr>
+</p:sld>
+</file>
+
+<file path=ppt/slides/slide50.xml><?xml version="1.0" encoding="utf-8"?>
+<p:sld xmlns:a="http://schemas.openxmlformats.org/drawingml/2006/main" xmlns:r="http://schemas.openxmlformats.org/officeDocument/2006/relationships" xmlns:p="http://schemas.openxmlformats.org/presentationml/2006/main">
+  <p:cSld>
+    <p:spTree>
+      <p:nvGrpSpPr>
+        <p:cNvPr id="1" name=""/>
+        <p:cNvGrpSpPr/>
+        <p:nvPr/>
+      </p:nvGrpSpPr>
+      <p:grpSpPr>
+        <a:xfrm>
+          <a:off x="0" y="0"/>
+          <a:ext cx="0" cy="0"/>
+          <a:chOff x="0" y="0"/>
+          <a:chExt cx="0" cy="0"/>
+        </a:xfrm>
+      </p:grpSpPr>
+      <p:sp>
+        <p:nvSpPr>
+          <p:cNvPr id="2" name="Title 1">
+            <a:extLst>
+              <a:ext uri="{FF2B5EF4-FFF2-40B4-BE49-F238E27FC236}">
+                <a16:creationId xmlns:a16="http://schemas.microsoft.com/office/drawing/2014/main" id="{F1E6B82E-CAC6-466B-95A1-0D2C326D6AAF}"/>
+              </a:ext>
+            </a:extLst>
+          </p:cNvPr>
+          <p:cNvSpPr>
+            <a:spLocks noGrp="1"/>
+          </p:cNvSpPr>
+          <p:nvPr>
+            <p:ph type="title"/>
+          </p:nvPr>
+        </p:nvSpPr>
+        <p:spPr/>
+        <p:txBody>
+          <a:bodyPr/>
+          <a:lstStyle/>
+          <a:p>
+            <a:r>
+              <a:rPr lang="en-US" dirty="0"/>
+              <a:t>Verification: Getting it Right</a:t>
+            </a:r>
+          </a:p>
+        </p:txBody>
+      </p:sp>
+      <p:sp>
+        <p:nvSpPr>
+          <p:cNvPr id="3" name="Content Placeholder 2">
+            <a:extLst>
+              <a:ext uri="{FF2B5EF4-FFF2-40B4-BE49-F238E27FC236}">
+                <a16:creationId xmlns:a16="http://schemas.microsoft.com/office/drawing/2014/main" id="{BAA0C7B0-CCB6-4F01-8F72-B04C780CC211}"/>
+              </a:ext>
+            </a:extLst>
+          </p:cNvPr>
+          <p:cNvSpPr>
+            <a:spLocks noGrp="1"/>
+          </p:cNvSpPr>
+          <p:nvPr>
+            <p:ph idx="1"/>
+          </p:nvPr>
+        </p:nvSpPr>
+        <p:spPr/>
+        <p:txBody>
+          <a:bodyPr/>
+          <a:lstStyle/>
+          <a:p>
+            <a:r>
+              <a:rPr lang="en-US" dirty="0"/>
+              <a:t>Types can prevent some bugs. </a:t>
+            </a:r>
+            <a:r>
+              <a:rPr lang="en-US" b="1" dirty="0"/>
+              <a:t>Are all bugs preventable?</a:t>
+            </a:r>
+          </a:p>
+          <a:p>
+            <a:pPr lvl="1"/>
+            <a:endParaRPr lang="en-US" dirty="0"/>
+          </a:p>
+        </p:txBody>
+      </p:sp>
+      <p:sp>
+        <p:nvSpPr>
+          <p:cNvPr id="4" name="Slide Number Placeholder 3">
+            <a:extLst>
+              <a:ext uri="{FF2B5EF4-FFF2-40B4-BE49-F238E27FC236}">
+                <a16:creationId xmlns:a16="http://schemas.microsoft.com/office/drawing/2014/main" id="{75818508-CA06-447B-AD01-053B2893784C}"/>
+              </a:ext>
+            </a:extLst>
+          </p:cNvPr>
+          <p:cNvSpPr>
+            <a:spLocks noGrp="1"/>
+          </p:cNvSpPr>
+          <p:nvPr>
+            <p:ph type="sldNum" sz="quarter" idx="12"/>
+          </p:nvPr>
+        </p:nvSpPr>
+        <p:spPr/>
+        <p:txBody>
+          <a:bodyPr/>
+          <a:lstStyle/>
+          <a:p>
+            <a:fld id="{35FEF863-E852-4BEF-80E4-638F599BECAC}" type="slidenum">
+              <a:rPr lang="en-US" smtClean="0"/>
+              <a:t>50</a:t>
+            </a:fld>
+            <a:endParaRPr lang="en-US"/>
+          </a:p>
+        </p:txBody>
+      </p:sp>
+    </p:spTree>
+    <p:extLst>
+      <p:ext uri="{BB962C8B-B14F-4D97-AF65-F5344CB8AC3E}">
+        <p14:creationId xmlns:p14="http://schemas.microsoft.com/office/powerpoint/2010/main" val="4036009609"/>
+      </p:ext>
+    </p:extLst>
+  </p:cSld>
+  <p:clrMapOvr>
+    <a:masterClrMapping/>
+  </p:clrMapOvr>
+</p:sld>
+</file>
+
+<file path=ppt/slides/slide51.xml><?xml version="1.0" encoding="utf-8"?>
+<p:sld xmlns:a="http://schemas.openxmlformats.org/drawingml/2006/main" xmlns:r="http://schemas.openxmlformats.org/officeDocument/2006/relationships" xmlns:p="http://schemas.openxmlformats.org/presentationml/2006/main">
+  <p:cSld>
+    <p:spTree>
+      <p:nvGrpSpPr>
+        <p:cNvPr id="1" name=""/>
+        <p:cNvGrpSpPr/>
+        <p:nvPr/>
+      </p:nvGrpSpPr>
+      <p:grpSpPr>
+        <a:xfrm>
+          <a:off x="0" y="0"/>
+          <a:ext cx="0" cy="0"/>
+          <a:chOff x="0" y="0"/>
+          <a:chExt cx="0" cy="0"/>
+        </a:xfrm>
+      </p:grpSpPr>
+      <p:sp>
+        <p:nvSpPr>
+          <p:cNvPr id="2" name="Title 1">
+            <a:extLst>
+              <a:ext uri="{FF2B5EF4-FFF2-40B4-BE49-F238E27FC236}">
+                <a16:creationId xmlns:a16="http://schemas.microsoft.com/office/drawing/2014/main" id="{F1E6B82E-CAC6-466B-95A1-0D2C326D6AAF}"/>
+              </a:ext>
+            </a:extLst>
+          </p:cNvPr>
+          <p:cNvSpPr>
+            <a:spLocks noGrp="1"/>
+          </p:cNvSpPr>
+          <p:nvPr>
+            <p:ph type="title"/>
+          </p:nvPr>
+        </p:nvSpPr>
+        <p:spPr/>
+        <p:txBody>
+          <a:bodyPr/>
+          <a:lstStyle/>
+          <a:p>
+            <a:r>
+              <a:rPr lang="en-US" dirty="0"/>
+              <a:t>Verification: Getting it Right</a:t>
+            </a:r>
+          </a:p>
+        </p:txBody>
+      </p:sp>
+      <p:sp>
+        <p:nvSpPr>
+          <p:cNvPr id="3" name="Content Placeholder 2">
+            <a:extLst>
+              <a:ext uri="{FF2B5EF4-FFF2-40B4-BE49-F238E27FC236}">
+                <a16:creationId xmlns:a16="http://schemas.microsoft.com/office/drawing/2014/main" id="{BAA0C7B0-CCB6-4F01-8F72-B04C780CC211}"/>
+              </a:ext>
+            </a:extLst>
+          </p:cNvPr>
+          <p:cNvSpPr>
+            <a:spLocks noGrp="1"/>
+          </p:cNvSpPr>
+          <p:nvPr>
+            <p:ph idx="1"/>
+          </p:nvPr>
+        </p:nvSpPr>
+        <p:spPr/>
+        <p:txBody>
+          <a:bodyPr/>
+          <a:lstStyle/>
+          <a:p>
+            <a:r>
+              <a:rPr lang="en-US" dirty="0"/>
+              <a:t>Types can prevent some bugs. Are all bugs preventable?</a:t>
+            </a:r>
+          </a:p>
+          <a:p>
+            <a:r>
+              <a:rPr lang="en-US" dirty="0"/>
+              <a:t>Several research approaches:</a:t>
+            </a:r>
+          </a:p>
+          <a:p>
+            <a:pPr marL="658368" lvl="1" indent="-457200">
+              <a:buFont typeface="+mj-lt"/>
+              <a:buAutoNum type="arabicPeriod"/>
+            </a:pPr>
+            <a:r>
+              <a:rPr lang="en-US" dirty="0"/>
+              <a:t>Fancy type systems</a:t>
+            </a:r>
+          </a:p>
+          <a:p>
+            <a:pPr marL="658368" lvl="1" indent="-457200">
+              <a:buFont typeface="+mj-lt"/>
+              <a:buAutoNum type="arabicPeriod"/>
+            </a:pPr>
+            <a:r>
+              <a:rPr lang="en-US" dirty="0"/>
+              <a:t>Theorem-proving: state and prove theorems about programs</a:t>
+            </a:r>
+          </a:p>
+          <a:p>
+            <a:pPr marL="658368" lvl="1" indent="-457200">
+              <a:buFont typeface="+mj-lt"/>
+              <a:buAutoNum type="arabicPeriod"/>
+            </a:pPr>
+            <a:r>
+              <a:rPr lang="en-US" dirty="0"/>
+              <a:t>Model-checking: explore program automatically</a:t>
+            </a:r>
+          </a:p>
+          <a:p>
+            <a:pPr marL="201168" lvl="1" indent="0">
+              <a:buNone/>
+            </a:pPr>
+            <a:r>
+              <a:rPr lang="en-US" b="1" dirty="0"/>
+              <a:t>This is out-of-scope for CS 4536 and CS 536. If you are interested in this topic, see the many external references listed in the book or chat with the instructor</a:t>
+            </a:r>
+          </a:p>
+        </p:txBody>
+      </p:sp>
+      <p:sp>
+        <p:nvSpPr>
+          <p:cNvPr id="4" name="Slide Number Placeholder 3">
+            <a:extLst>
+              <a:ext uri="{FF2B5EF4-FFF2-40B4-BE49-F238E27FC236}">
+                <a16:creationId xmlns:a16="http://schemas.microsoft.com/office/drawing/2014/main" id="{75818508-CA06-447B-AD01-053B2893784C}"/>
+              </a:ext>
+            </a:extLst>
+          </p:cNvPr>
+          <p:cNvSpPr>
+            <a:spLocks noGrp="1"/>
+          </p:cNvSpPr>
+          <p:nvPr>
+            <p:ph type="sldNum" sz="quarter" idx="12"/>
+          </p:nvPr>
+        </p:nvSpPr>
+        <p:spPr/>
+        <p:txBody>
+          <a:bodyPr/>
+          <a:lstStyle/>
+          <a:p>
+            <a:fld id="{35FEF863-E852-4BEF-80E4-638F599BECAC}" type="slidenum">
+              <a:rPr lang="en-US" smtClean="0"/>
+              <a:t>51</a:t>
+            </a:fld>
+            <a:endParaRPr lang="en-US"/>
+          </a:p>
+        </p:txBody>
+      </p:sp>
+    </p:spTree>
+    <p:extLst>
+      <p:ext uri="{BB962C8B-B14F-4D97-AF65-F5344CB8AC3E}">
+        <p14:creationId xmlns:p14="http://schemas.microsoft.com/office/powerpoint/2010/main" val="1853480601"/>
+      </p:ext>
+    </p:extLst>
+  </p:cSld>
+  <p:clrMapOvr>
+    <a:masterClrMapping/>
+  </p:clrMapOvr>
+</p:sld>
+</file>
+
+<file path=ppt/slides/slide52.xml><?xml version="1.0" encoding="utf-8"?>
+<p:sld xmlns:a="http://schemas.openxmlformats.org/drawingml/2006/main" xmlns:r="http://schemas.openxmlformats.org/officeDocument/2006/relationships" xmlns:p="http://schemas.openxmlformats.org/presentationml/2006/main">
+  <p:cSld>
+    <p:spTree>
+      <p:nvGrpSpPr>
+        <p:cNvPr id="1" name=""/>
+        <p:cNvGrpSpPr/>
+        <p:nvPr/>
+      </p:nvGrpSpPr>
+      <p:grpSpPr>
+        <a:xfrm>
+          <a:off x="0" y="0"/>
+          <a:ext cx="0" cy="0"/>
+          <a:chOff x="0" y="0"/>
+          <a:chExt cx="0" cy="0"/>
+        </a:xfrm>
+      </p:grpSpPr>
+      <p:sp>
+        <p:nvSpPr>
+          <p:cNvPr id="2" name="Title 1">
+            <a:extLst>
+              <a:ext uri="{FF2B5EF4-FFF2-40B4-BE49-F238E27FC236}">
+                <a16:creationId xmlns:a16="http://schemas.microsoft.com/office/drawing/2014/main" id="{F4561D7E-2622-4654-B452-5303F2220044}"/>
+              </a:ext>
+            </a:extLst>
+          </p:cNvPr>
+          <p:cNvSpPr>
+            <a:spLocks noGrp="1"/>
+          </p:cNvSpPr>
+          <p:nvPr>
+            <p:ph type="title"/>
+          </p:nvPr>
+        </p:nvSpPr>
+        <p:spPr>
+          <a:xfrm>
+            <a:off x="1097279" y="286603"/>
+            <a:ext cx="10349654" cy="1450757"/>
+          </a:xfrm>
+        </p:spPr>
+        <p:txBody>
+          <a:bodyPr/>
+          <a:lstStyle/>
+          <a:p>
+            <a:r>
+              <a:rPr lang="en-US" dirty="0"/>
+              <a:t>Happy Programs (This is Not a Real Thing)</a:t>
+            </a:r>
+          </a:p>
+        </p:txBody>
+      </p:sp>
+      <p:sp>
+        <p:nvSpPr>
+          <p:cNvPr id="3" name="Content Placeholder 2">
+            <a:extLst>
+              <a:ext uri="{FF2B5EF4-FFF2-40B4-BE49-F238E27FC236}">
+                <a16:creationId xmlns:a16="http://schemas.microsoft.com/office/drawing/2014/main" id="{A295F6F0-C731-4CD3-9325-13EB6105C27F}"/>
+              </a:ext>
+            </a:extLst>
+          </p:cNvPr>
+          <p:cNvSpPr>
+            <a:spLocks noGrp="1"/>
+          </p:cNvSpPr>
+          <p:nvPr>
+            <p:ph idx="1"/>
+          </p:nvPr>
+        </p:nvSpPr>
+        <p:spPr/>
+        <p:txBody>
+          <a:bodyPr/>
+          <a:lstStyle/>
+          <a:p>
+            <a:r>
+              <a:rPr lang="en-US" dirty="0"/>
+              <a:t>Science can tell us </a:t>
+            </a:r>
+            <a:r>
+              <a:rPr lang="en-US" i="1" dirty="0"/>
+              <a:t>a lot</a:t>
+            </a:r>
+            <a:r>
+              <a:rPr lang="en-US" dirty="0"/>
+              <a:t> about programs, but it cannot do everything.</a:t>
+            </a:r>
+          </a:p>
+          <a:p>
+            <a:r>
+              <a:rPr lang="en-US" dirty="0"/>
+              <a:t>In addition to correctness, we might ask ourselves:</a:t>
+            </a:r>
+          </a:p>
+          <a:p>
+            <a:pPr lvl="1"/>
+            <a:r>
+              <a:rPr lang="en-US" dirty="0"/>
+              <a:t>Does this code feel natural to me?</a:t>
+            </a:r>
+          </a:p>
+          <a:p>
+            <a:pPr lvl="1"/>
+            <a:r>
+              <a:rPr lang="en-US" dirty="0"/>
+              <a:t>Is it pretty?</a:t>
+            </a:r>
+          </a:p>
+          <a:p>
+            <a:pPr lvl="1"/>
+            <a:r>
+              <a:rPr lang="en-US" dirty="0"/>
+              <a:t>Do I want to maintain this code for 10 years?</a:t>
+            </a:r>
+          </a:p>
+          <a:p>
+            <a:pPr lvl="1"/>
+            <a:r>
+              <a:rPr lang="en-US" dirty="0"/>
+              <a:t>Can I explain it to a coworker?</a:t>
+            </a:r>
+          </a:p>
+          <a:p>
+            <a:pPr lvl="1"/>
+            <a:endParaRPr lang="en-US" dirty="0"/>
+          </a:p>
+          <a:p>
+            <a:pPr marL="201168" lvl="1" indent="0">
+              <a:buNone/>
+            </a:pPr>
+            <a:r>
+              <a:rPr lang="en-US" b="1" dirty="0"/>
+              <a:t>The Social Scientist helps identify the best way to ask these questions, then how </a:t>
+            </a:r>
+            <a:r>
+              <a:rPr lang="en-US" b="1"/>
+              <a:t>to answer them</a:t>
+            </a:r>
+            <a:endParaRPr lang="en-US" b="1" dirty="0"/>
+          </a:p>
+        </p:txBody>
+      </p:sp>
+      <p:sp>
+        <p:nvSpPr>
+          <p:cNvPr id="4" name="Slide Number Placeholder 3">
+            <a:extLst>
+              <a:ext uri="{FF2B5EF4-FFF2-40B4-BE49-F238E27FC236}">
+                <a16:creationId xmlns:a16="http://schemas.microsoft.com/office/drawing/2014/main" id="{A08ECF01-2DA0-4007-BCB4-B88CD1E351A4}"/>
+              </a:ext>
+            </a:extLst>
+          </p:cNvPr>
+          <p:cNvSpPr>
+            <a:spLocks noGrp="1"/>
+          </p:cNvSpPr>
+          <p:nvPr>
+            <p:ph type="sldNum" sz="quarter" idx="12"/>
+          </p:nvPr>
+        </p:nvSpPr>
+        <p:spPr/>
+        <p:txBody>
+          <a:bodyPr/>
+          <a:lstStyle/>
+          <a:p>
+            <a:fld id="{35FEF863-E852-4BEF-80E4-638F599BECAC}" type="slidenum">
+              <a:rPr lang="en-US" smtClean="0"/>
+              <a:t>52</a:t>
+            </a:fld>
+            <a:endParaRPr lang="en-US"/>
+          </a:p>
+        </p:txBody>
+      </p:sp>
+    </p:spTree>
+    <p:extLst>
+      <p:ext uri="{BB962C8B-B14F-4D97-AF65-F5344CB8AC3E}">
+        <p14:creationId xmlns:p14="http://schemas.microsoft.com/office/powerpoint/2010/main" val="2079213807"/>
+      </p:ext>
+    </p:extLst>
+  </p:cSld>
+  <p:clrMapOvr>
+    <a:masterClrMapping/>
+  </p:clrMapOvr>
+</p:sld>
+</file>
+
 <file path=ppt/slides/slide53.xml><?xml version="1.0" encoding="utf-8"?>
 <p:sld xmlns:a="http://schemas.openxmlformats.org/drawingml/2006/main" xmlns:r="http://schemas.openxmlformats.org/officeDocument/2006/relationships" xmlns:p="http://schemas.openxmlformats.org/presentationml/2006/main">
   <p:cSld>
@@ -19505,7 +19802,7 @@
           <p:cNvPr id="2" name="Title 1">
             <a:extLst>
               <a:ext uri="{FF2B5EF4-FFF2-40B4-BE49-F238E27FC236}">
-                <a16:creationId xmlns:a16="http://schemas.microsoft.com/office/drawing/2014/main" id="{09B5ACE0-C471-4B26-932C-639315F39C2B}"/>
+                <a16:creationId xmlns:a16="http://schemas.microsoft.com/office/drawing/2014/main" id="{6998C686-D12B-B8DD-0063-CD709BA9E3FE}"/>
               </a:ext>
             </a:extLst>
           </p:cNvPr>
@@ -19523,7 +19820,7 @@
           <a:p>
             <a:r>
               <a:rPr lang="en-US" dirty="0"/>
-              <a:t>Syntax: The Hardest Solved Problem in PL</a:t>
+              <a:t>Action Items</a:t>
             </a:r>
           </a:p>
         </p:txBody>
@@ -19533,7 +19830,7 @@
           <p:cNvPr id="3" name="Content Placeholder 2">
             <a:extLst>
               <a:ext uri="{FF2B5EF4-FFF2-40B4-BE49-F238E27FC236}">
-                <a16:creationId xmlns:a16="http://schemas.microsoft.com/office/drawing/2014/main" id="{FCC5602A-3F9B-4DFA-9431-5E2B931606D3}"/>
+                <a16:creationId xmlns:a16="http://schemas.microsoft.com/office/drawing/2014/main" id="{F91AFD6F-E1ED-495E-5E10-51E5FD654A78}"/>
               </a:ext>
             </a:extLst>
           </p:cNvPr>
@@ -19546,93 +19843,70 @@
         </p:nvSpPr>
         <p:spPr/>
         <p:txBody>
-          <a:bodyPr>
-            <a:normAutofit/>
-          </a:bodyPr>
-          <a:lstStyle/>
-          <a:p>
-            <a:r>
-              <a:rPr lang="en-US" dirty="0"/>
-              <a:t>We revisit core tools from CS 3133, this time with an emphasis on the Implementer:</a:t>
-            </a:r>
-          </a:p>
-          <a:p>
-            <a:pPr lvl="1"/>
-            <a:r>
-              <a:rPr lang="en-US" dirty="0"/>
-              <a:t>Regular expressions: Parse basic building blocks</a:t>
-            </a:r>
-          </a:p>
-          <a:p>
-            <a:pPr lvl="1"/>
-            <a:r>
-              <a:rPr lang="en-US" dirty="0"/>
-              <a:t>Context-free grammars: Parse complex structures, declaratively</a:t>
-            </a:r>
-          </a:p>
-          <a:p>
-            <a:pPr lvl="1"/>
-            <a:r>
-              <a:rPr lang="en-US" dirty="0"/>
-              <a:t>Parsing expression grammars: Parse complex structures, directly</a:t>
-            </a:r>
-            <a:endParaRPr lang="en-US" b="1" dirty="0"/>
-          </a:p>
-          <a:p>
-            <a:r>
-              <a:rPr lang="en-US" dirty="0"/>
-              <a:t>The above tools allow us to specify and implement a syntax precisely</a:t>
-            </a:r>
-          </a:p>
-          <a:p>
-            <a:r>
-              <a:rPr lang="en-US" dirty="0"/>
-              <a:t>How do we identify a syntax that makes programmers happy or minimizes their error rate?</a:t>
-            </a:r>
-            <a:br>
-              <a:rPr lang="en-US" dirty="0"/>
-            </a:br>
-            <a:r>
-              <a:rPr lang="en-US" b="1" dirty="0"/>
-              <a:t>We explore this question through the lens of the Social Scientist</a:t>
-            </a:r>
-            <a:endParaRPr lang="en-US" dirty="0"/>
-          </a:p>
-        </p:txBody>
-      </p:sp>
-      <p:sp>
-        <p:nvSpPr>
-          <p:cNvPr id="4" name="Slide Number Placeholder 3">
-            <a:extLst>
-              <a:ext uri="{FF2B5EF4-FFF2-40B4-BE49-F238E27FC236}">
-                <a16:creationId xmlns:a16="http://schemas.microsoft.com/office/drawing/2014/main" id="{96DEC4A9-A119-43AD-8DE4-1AFBC7B8F770}"/>
-              </a:ext>
-            </a:extLst>
-          </p:cNvPr>
-          <p:cNvSpPr>
-            <a:spLocks noGrp="1"/>
-          </p:cNvSpPr>
-          <p:nvPr>
-            <p:ph type="sldNum" sz="quarter" idx="12"/>
-          </p:nvPr>
-        </p:nvSpPr>
-        <p:spPr/>
-        <p:txBody>
           <a:bodyPr/>
           <a:lstStyle/>
           <a:p>
-            <a:fld id="{35FEF863-E852-4BEF-80E4-638F599BECAC}" type="slidenum">
-              <a:rPr lang="en-US" smtClean="0"/>
-              <a:t>53</a:t>
-            </a:fld>
-            <a:endParaRPr lang="en-US"/>
+            <a:r>
+              <a:rPr lang="en-US" dirty="0"/>
+              <a:t>Things you should do:</a:t>
+            </a:r>
+          </a:p>
+          <a:p>
+            <a:pPr marL="457200" indent="-457200">
+              <a:buFont typeface="+mj-lt"/>
+              <a:buAutoNum type="arabicPeriod"/>
+            </a:pPr>
+            <a:r>
+              <a:rPr lang="en-US" dirty="0"/>
+              <a:t>Access the textbook online and do the readings for each lecture</a:t>
+            </a:r>
+          </a:p>
+          <a:p>
+            <a:pPr marL="457200" indent="-457200">
+              <a:buFont typeface="+mj-lt"/>
+              <a:buAutoNum type="arabicPeriod"/>
+            </a:pPr>
+            <a:r>
+              <a:rPr lang="en-US" dirty="0"/>
+              <a:t>Ensure you are on the Canvas site for the course; get familiar with it</a:t>
+            </a:r>
+          </a:p>
+          <a:p>
+            <a:pPr marL="457200" indent="-457200">
+              <a:buFont typeface="+mj-lt"/>
+              <a:buAutoNum type="arabicPeriod"/>
+            </a:pPr>
+            <a:r>
+              <a:rPr lang="en-US" dirty="0"/>
+              <a:t>Ensure you are on the Slack for the course; check it regularly for announcements</a:t>
+            </a:r>
+          </a:p>
+          <a:p>
+            <a:pPr marL="457200" indent="-457200">
+              <a:buFont typeface="+mj-lt"/>
+              <a:buAutoNum type="arabicPeriod"/>
+            </a:pPr>
+            <a:r>
+              <a:rPr lang="en-US" dirty="0"/>
+              <a:t>Get started on HW1</a:t>
+            </a:r>
+          </a:p>
+          <a:p>
+            <a:pPr marL="749808" lvl="1" indent="-457200">
+              <a:buFont typeface="+mj-lt"/>
+              <a:buAutoNum type="arabicPeriod"/>
+            </a:pPr>
+            <a:r>
+              <a:rPr lang="en-US" dirty="0"/>
+              <a:t>As part of HW1, you will install the Rust programming language</a:t>
+            </a:r>
           </a:p>
         </p:txBody>
       </p:sp>
     </p:spTree>
     <p:extLst>
       <p:ext uri="{BB962C8B-B14F-4D97-AF65-F5344CB8AC3E}">
-        <p14:creationId xmlns:p14="http://schemas.microsoft.com/office/powerpoint/2010/main" val="124586083"/>
+        <p14:creationId xmlns:p14="http://schemas.microsoft.com/office/powerpoint/2010/main" val="4194717061"/>
       </p:ext>
     </p:extLst>
   </p:cSld>
@@ -19664,7 +19938,7 @@
           <p:cNvPr id="2" name="Title 1">
             <a:extLst>
               <a:ext uri="{FF2B5EF4-FFF2-40B4-BE49-F238E27FC236}">
-                <a16:creationId xmlns:a16="http://schemas.microsoft.com/office/drawing/2014/main" id="{A372DCFD-31E8-4DB6-B8CB-C14BD993378B}"/>
+                <a16:creationId xmlns:a16="http://schemas.microsoft.com/office/drawing/2014/main" id="{3E8590BF-8A23-D7C5-C282-93B398833F48}"/>
               </a:ext>
             </a:extLst>
           </p:cNvPr>
@@ -19681,12 +19955,8 @@
           <a:lstStyle/>
           <a:p>
             <a:r>
-              <a:rPr lang="en-US" dirty="0" err="1"/>
-              <a:t>Execution+Semantics</a:t>
-            </a:r>
-            <a:r>
-              <a:rPr lang="en-US" dirty="0"/>
-              <a:t>: What Did You Do?</a:t>
+              <a:rPr lang="en-US" dirty="0"/>
+              <a:t>Textbook</a:t>
             </a:r>
           </a:p>
         </p:txBody>
@@ -19696,7 +19966,7 @@
           <p:cNvPr id="3" name="Content Placeholder 2">
             <a:extLst>
               <a:ext uri="{FF2B5EF4-FFF2-40B4-BE49-F238E27FC236}">
-                <a16:creationId xmlns:a16="http://schemas.microsoft.com/office/drawing/2014/main" id="{1BA1DBBB-A34F-4B2E-9A24-CF4646CCEA72}"/>
+                <a16:creationId xmlns:a16="http://schemas.microsoft.com/office/drawing/2014/main" id="{E0E46DE0-5813-C213-B526-EEC9852C4716}"/>
               </a:ext>
             </a:extLst>
           </p:cNvPr>
@@ -19709,115 +19979,48 @@
         </p:nvSpPr>
         <p:spPr/>
         <p:txBody>
-          <a:bodyPr>
-            <a:normAutofit/>
-          </a:bodyPr>
-          <a:lstStyle/>
-          <a:p>
-            <a:r>
-              <a:rPr lang="en-US" dirty="0"/>
-              <a:t>To design correct programs and languages, we must know what a program means. Semantics is the study of what programs mean.</a:t>
-            </a:r>
-          </a:p>
-          <a:p>
-            <a:r>
-              <a:rPr lang="en-US" dirty="0"/>
-              <a:t>Different theories of semantics give different perspectives:</a:t>
-            </a:r>
-          </a:p>
-          <a:p>
-            <a:pPr lvl="1"/>
-            <a:r>
-              <a:rPr lang="en-US" b="1" dirty="0"/>
-              <a:t>Operational Semantics: </a:t>
-            </a:r>
-            <a:r>
-              <a:rPr lang="en-US" dirty="0"/>
-              <a:t>How does it run?</a:t>
-            </a:r>
-          </a:p>
-          <a:p>
-            <a:pPr lvl="2"/>
-            <a:r>
-              <a:rPr lang="en-US" b="1" dirty="0" err="1"/>
-              <a:t>Intepreter</a:t>
-            </a:r>
-            <a:r>
-              <a:rPr lang="en-US" b="1" dirty="0"/>
-              <a:t> (the </a:t>
-            </a:r>
-            <a:r>
-              <a:rPr lang="en-US" b="1" dirty="0" err="1"/>
-              <a:t>homeworks</a:t>
-            </a:r>
-            <a:r>
-              <a:rPr lang="en-US" b="1" dirty="0"/>
-              <a:t>)</a:t>
-            </a:r>
-            <a:r>
-              <a:rPr lang="en-US" dirty="0"/>
-              <a:t>: A program that implements operational semantics</a:t>
-            </a:r>
-          </a:p>
-          <a:p>
-            <a:pPr lvl="1"/>
-            <a:r>
-              <a:rPr lang="en-US" dirty="0"/>
-              <a:t>Equational semantics: When are two programs “the same”?</a:t>
-            </a:r>
-          </a:p>
-          <a:p>
-            <a:r>
-              <a:rPr lang="en-US" b="1" dirty="0"/>
-              <a:t>You will implement an interpreter using an operational semantics</a:t>
-            </a:r>
-          </a:p>
-          <a:p>
-            <a:pPr lvl="1"/>
-            <a:endParaRPr lang="en-US" b="1" dirty="0"/>
-          </a:p>
-          <a:p>
-            <a:pPr lvl="1"/>
-            <a:endParaRPr lang="en-US" dirty="0"/>
-          </a:p>
-          <a:p>
-            <a:endParaRPr lang="en-US" dirty="0"/>
-          </a:p>
-        </p:txBody>
-      </p:sp>
-      <p:sp>
-        <p:nvSpPr>
-          <p:cNvPr id="4" name="Slide Number Placeholder 3">
-            <a:extLst>
-              <a:ext uri="{FF2B5EF4-FFF2-40B4-BE49-F238E27FC236}">
-                <a16:creationId xmlns:a16="http://schemas.microsoft.com/office/drawing/2014/main" id="{55AF0814-7B14-422B-90E8-360A8CE41C23}"/>
-              </a:ext>
-            </a:extLst>
-          </p:cNvPr>
-          <p:cNvSpPr>
-            <a:spLocks noGrp="1"/>
-          </p:cNvSpPr>
-          <p:nvPr>
-            <p:ph type="sldNum" sz="quarter" idx="12"/>
-          </p:nvPr>
-        </p:nvSpPr>
-        <p:spPr/>
-        <p:txBody>
           <a:bodyPr/>
           <a:lstStyle/>
           <a:p>
-            <a:fld id="{35FEF863-E852-4BEF-80E4-638F599BECAC}" type="slidenum">
-              <a:rPr lang="en-US" smtClean="0"/>
-              <a:t>54</a:t>
-            </a:fld>
-            <a:endParaRPr lang="en-US"/>
+            <a:r>
+              <a:rPr lang="en-US" dirty="0"/>
+              <a:t>I wrote a textbook specifically for this course: “Human-Centered Programming Languages”</a:t>
+            </a:r>
+          </a:p>
+          <a:p>
+            <a:r>
+              <a:rPr lang="en-US" dirty="0"/>
+              <a:t>It is the first truly interdisciplinary PL textbook, with significant focus on how to perform user studies, design for the full diversity of programmer populations, and theorize social impacts. It is an academically-rigorous book with extensive references to the latest research literature</a:t>
+            </a:r>
+          </a:p>
+          <a:p>
+            <a:r>
+              <a:rPr lang="en-US" dirty="0"/>
+              <a:t>It is open-access, available free-of-charge at </a:t>
+            </a:r>
+            <a:r>
+              <a:rPr lang="en-US" dirty="0">
+                <a:hlinkClick r:id="rId2"/>
+              </a:rPr>
+              <a:t>https://bookish.press/hcpl</a:t>
+            </a:r>
+            <a:endParaRPr lang="en-US" dirty="0"/>
+          </a:p>
+          <a:p>
+            <a:r>
+              <a:rPr lang="en-US" dirty="0"/>
+              <a:t>I used a precursor of this book to teach CS 536 in Spring 2023. The book has doubled in length since that time. Though some planned changes remain, it is quite extensive and ready for use</a:t>
+            </a:r>
+          </a:p>
+          <a:p>
+            <a:endParaRPr lang="en-US" dirty="0"/>
           </a:p>
         </p:txBody>
       </p:sp>
     </p:spTree>
     <p:extLst>
       <p:ext uri="{BB962C8B-B14F-4D97-AF65-F5344CB8AC3E}">
-        <p14:creationId xmlns:p14="http://schemas.microsoft.com/office/powerpoint/2010/main" val="1054142458"/>
+        <p14:creationId xmlns:p14="http://schemas.microsoft.com/office/powerpoint/2010/main" val="2748886764"/>
       </p:ext>
     </p:extLst>
   </p:cSld>
@@ -19849,7 +20052,7 @@
           <p:cNvPr id="2" name="Title 1">
             <a:extLst>
               <a:ext uri="{FF2B5EF4-FFF2-40B4-BE49-F238E27FC236}">
-                <a16:creationId xmlns:a16="http://schemas.microsoft.com/office/drawing/2014/main" id="{7B01F0FB-CAEA-4929-A49F-F4C8079BCC2C}"/>
+                <a16:creationId xmlns:a16="http://schemas.microsoft.com/office/drawing/2014/main" id="{3AD8A909-6472-9586-56AD-DC33F0F03A72}"/>
               </a:ext>
             </a:extLst>
           </p:cNvPr>
@@ -19867,7 +20070,7 @@
           <a:p>
             <a:r>
               <a:rPr lang="en-US" dirty="0"/>
-              <a:t>Static Types: Predictions About Programs </a:t>
+              <a:t>Canvas</a:t>
             </a:r>
           </a:p>
         </p:txBody>
@@ -19877,7 +20080,7 @@
           <p:cNvPr id="3" name="Content Placeholder 2">
             <a:extLst>
               <a:ext uri="{FF2B5EF4-FFF2-40B4-BE49-F238E27FC236}">
-                <a16:creationId xmlns:a16="http://schemas.microsoft.com/office/drawing/2014/main" id="{C9FCE9A3-E69F-48B2-B88A-5A89E8B1267B}"/>
+                <a16:creationId xmlns:a16="http://schemas.microsoft.com/office/drawing/2014/main" id="{4F442ADD-966D-8BBF-C060-73B90060133E}"/>
               </a:ext>
             </a:extLst>
           </p:cNvPr>
@@ -19890,136 +20093,37 @@
         </p:nvSpPr>
         <p:spPr/>
         <p:txBody>
-          <a:bodyPr>
-            <a:normAutofit/>
-          </a:bodyPr>
-          <a:lstStyle/>
-          <a:p>
-            <a:r>
-              <a:rPr lang="en-US" dirty="0"/>
-              <a:t>Types let us know something about a program without running it</a:t>
-            </a:r>
-          </a:p>
-          <a:p>
-            <a:r>
-              <a:rPr lang="en-US" dirty="0"/>
-              <a:t>Example Theorem: If the program </a:t>
-            </a:r>
-            <a:r>
-              <a:rPr lang="en-US" i="1" dirty="0"/>
-              <a:t>e</a:t>
-            </a:r>
-            <a:r>
-              <a:rPr lang="en-US" dirty="0"/>
-              <a:t> has type the </a:t>
-            </a:r>
-            <a:r>
-              <a:rPr lang="en-US" i="1" dirty="0"/>
-              <a:t>int</a:t>
-            </a:r>
-            <a:r>
-              <a:rPr lang="en-US" dirty="0"/>
-              <a:t> (written </a:t>
-            </a:r>
-            <a:r>
-              <a:rPr lang="en-US" i="1" dirty="0"/>
-              <a:t>e : int</a:t>
-            </a:r>
-            <a:r>
-              <a:rPr lang="en-US" dirty="0"/>
-              <a:t>) and </a:t>
-            </a:r>
-            <a:r>
-              <a:rPr lang="en-US" i="1" dirty="0"/>
-              <a:t>e</a:t>
-            </a:r>
-            <a:r>
-              <a:rPr lang="en-US" dirty="0"/>
-              <a:t> terminates, the result is an integer</a:t>
-            </a:r>
-          </a:p>
-          <a:p>
-            <a:r>
-              <a:rPr lang="en-US" dirty="0"/>
-              <a:t>Types catch lots of common programming mistakes </a:t>
-            </a:r>
-            <a:br>
-              <a:rPr lang="en-US" dirty="0"/>
-            </a:br>
-            <a:r>
-              <a:rPr lang="en-US" dirty="0"/>
-              <a:t>(e.g., I wanted a number but got a string).</a:t>
-            </a:r>
-          </a:p>
-          <a:p>
-            <a:r>
-              <a:rPr lang="en-US" i="1" dirty="0"/>
-              <a:t>What about dynamic types?</a:t>
-            </a:r>
-            <a:endParaRPr lang="en-US" dirty="0"/>
-          </a:p>
-          <a:p>
-            <a:pPr lvl="1"/>
-            <a:r>
-              <a:rPr lang="en-US" dirty="0"/>
-              <a:t>They are not static predictions about programs</a:t>
-            </a:r>
-          </a:p>
-          <a:p>
-            <a:pPr lvl="1"/>
-            <a:r>
-              <a:rPr lang="en-US" dirty="0"/>
-              <a:t>We talk about them less, because theory has less to say about them</a:t>
-            </a:r>
-          </a:p>
-          <a:p>
-            <a:pPr lvl="2"/>
-            <a:r>
-              <a:rPr lang="en-US" dirty="0"/>
-              <a:t>This does not make them evil</a:t>
-            </a:r>
-          </a:p>
-          <a:p>
-            <a:r>
-              <a:rPr lang="en-US" b="1" dirty="0"/>
-              <a:t>You will implement a type-checker for a static type system</a:t>
-            </a:r>
-          </a:p>
-        </p:txBody>
-      </p:sp>
-      <p:sp>
-        <p:nvSpPr>
-          <p:cNvPr id="4" name="Slide Number Placeholder 3">
-            <a:extLst>
-              <a:ext uri="{FF2B5EF4-FFF2-40B4-BE49-F238E27FC236}">
-                <a16:creationId xmlns:a16="http://schemas.microsoft.com/office/drawing/2014/main" id="{DDC76A0A-5EE3-4D96-8E71-A05727ABFE26}"/>
-              </a:ext>
-            </a:extLst>
-          </p:cNvPr>
-          <p:cNvSpPr>
-            <a:spLocks noGrp="1"/>
-          </p:cNvSpPr>
-          <p:nvPr>
-            <p:ph type="sldNum" sz="quarter" idx="12"/>
-          </p:nvPr>
-        </p:nvSpPr>
-        <p:spPr/>
-        <p:txBody>
           <a:bodyPr/>
           <a:lstStyle/>
           <a:p>
-            <a:fld id="{35FEF863-E852-4BEF-80E4-638F599BECAC}" type="slidenum">
-              <a:rPr lang="en-US" smtClean="0"/>
-              <a:t>55</a:t>
-            </a:fld>
-            <a:endParaRPr lang="en-US"/>
+            <a:r>
+              <a:rPr lang="en-US" dirty="0"/>
+              <a:t>Slides will be posted on Canvas</a:t>
+            </a:r>
+          </a:p>
+          <a:p>
+            <a:r>
+              <a:rPr lang="en-US" dirty="0"/>
+              <a:t>Homework handouts are distributed on Canvas</a:t>
+            </a:r>
+          </a:p>
+          <a:p>
+            <a:r>
+              <a:rPr lang="en-US" dirty="0"/>
+              <a:t>Homework solutions are submitted on Canvas and graded through </a:t>
+            </a:r>
+            <a:r>
+              <a:rPr lang="en-US" dirty="0" err="1"/>
+              <a:t>Gradescope</a:t>
+            </a:r>
+            <a:endParaRPr lang="en-US" dirty="0"/>
           </a:p>
         </p:txBody>
       </p:sp>
     </p:spTree>
     <p:extLst>
       <p:ext uri="{BB962C8B-B14F-4D97-AF65-F5344CB8AC3E}">
-        <p14:creationId xmlns:p14="http://schemas.microsoft.com/office/powerpoint/2010/main" val="1661854987"/>
+        <p14:creationId xmlns:p14="http://schemas.microsoft.com/office/powerpoint/2010/main" val="3848117829"/>
       </p:ext>
     </p:extLst>
   </p:cSld>
@@ -20051,7 +20155,7 @@
           <p:cNvPr id="2" name="Title 1">
             <a:extLst>
               <a:ext uri="{FF2B5EF4-FFF2-40B4-BE49-F238E27FC236}">
-                <a16:creationId xmlns:a16="http://schemas.microsoft.com/office/drawing/2014/main" id="{F1E6B82E-CAC6-466B-95A1-0D2C326D6AAF}"/>
+                <a16:creationId xmlns:a16="http://schemas.microsoft.com/office/drawing/2014/main" id="{CA09751B-F4DE-274F-B5D5-72693D7E97ED}"/>
               </a:ext>
             </a:extLst>
           </p:cNvPr>
@@ -20069,7 +20173,7 @@
           <a:p>
             <a:r>
               <a:rPr lang="en-US" dirty="0"/>
-              <a:t>Verification: Getting it Right</a:t>
+              <a:t>Slack</a:t>
             </a:r>
           </a:p>
         </p:txBody>
@@ -20079,7 +20183,7 @@
           <p:cNvPr id="3" name="Content Placeholder 2">
             <a:extLst>
               <a:ext uri="{FF2B5EF4-FFF2-40B4-BE49-F238E27FC236}">
-                <a16:creationId xmlns:a16="http://schemas.microsoft.com/office/drawing/2014/main" id="{BAA0C7B0-CCB6-4F01-8F72-B04C780CC211}"/>
+                <a16:creationId xmlns:a16="http://schemas.microsoft.com/office/drawing/2014/main" id="{870C71D3-E9C1-1E18-68EF-42A8147D4136}"/>
               </a:ext>
             </a:extLst>
           </p:cNvPr>
@@ -20097,52 +20201,21 @@
           <a:p>
             <a:r>
               <a:rPr lang="en-US" dirty="0"/>
-              <a:t>Types can prevent some bugs. </a:t>
-            </a:r>
-            <a:r>
-              <a:rPr lang="en-US" b="1" dirty="0"/>
-              <a:t>Are all bugs preventable?</a:t>
-            </a:r>
-          </a:p>
-          <a:p>
-            <a:pPr lvl="1"/>
-            <a:endParaRPr lang="en-US" dirty="0"/>
-          </a:p>
-        </p:txBody>
-      </p:sp>
-      <p:sp>
-        <p:nvSpPr>
-          <p:cNvPr id="4" name="Slide Number Placeholder 3">
-            <a:extLst>
-              <a:ext uri="{FF2B5EF4-FFF2-40B4-BE49-F238E27FC236}">
-                <a16:creationId xmlns:a16="http://schemas.microsoft.com/office/drawing/2014/main" id="{75818508-CA06-447B-AD01-053B2893784C}"/>
-              </a:ext>
-            </a:extLst>
-          </p:cNvPr>
-          <p:cNvSpPr>
-            <a:spLocks noGrp="1"/>
-          </p:cNvSpPr>
-          <p:nvPr>
-            <p:ph type="sldNum" sz="quarter" idx="12"/>
-          </p:nvPr>
-        </p:nvSpPr>
-        <p:spPr/>
-        <p:txBody>
-          <a:bodyPr/>
-          <a:lstStyle/>
-          <a:p>
-            <a:fld id="{35FEF863-E852-4BEF-80E4-638F599BECAC}" type="slidenum">
-              <a:rPr lang="en-US" smtClean="0"/>
-              <a:t>56</a:t>
-            </a:fld>
-            <a:endParaRPr lang="en-US"/>
+              <a:t>Join the Slack server for the course as soon as possible, if you have not already</a:t>
+            </a:r>
+          </a:p>
+          <a:p>
+            <a:r>
+              <a:rPr lang="en-US" dirty="0"/>
+              <a:t>Important course announcements will primarily be sent through Slack, such as any corrections to assigned problems, notifications about the exam, or any changes to deadlines or lectures</a:t>
+            </a:r>
           </a:p>
         </p:txBody>
       </p:sp>
     </p:spTree>
     <p:extLst>
       <p:ext uri="{BB962C8B-B14F-4D97-AF65-F5344CB8AC3E}">
-        <p14:creationId xmlns:p14="http://schemas.microsoft.com/office/powerpoint/2010/main" val="4036009609"/>
+        <p14:creationId xmlns:p14="http://schemas.microsoft.com/office/powerpoint/2010/main" val="3468620880"/>
       </p:ext>
     </p:extLst>
   </p:cSld>
@@ -20174,7 +20247,7 @@
           <p:cNvPr id="2" name="Title 1">
             <a:extLst>
               <a:ext uri="{FF2B5EF4-FFF2-40B4-BE49-F238E27FC236}">
-                <a16:creationId xmlns:a16="http://schemas.microsoft.com/office/drawing/2014/main" id="{F1E6B82E-CAC6-466B-95A1-0D2C326D6AAF}"/>
+                <a16:creationId xmlns:a16="http://schemas.microsoft.com/office/drawing/2014/main" id="{72C16FB8-F59E-8A25-5056-4CA44520DECD}"/>
               </a:ext>
             </a:extLst>
           </p:cNvPr>
@@ -20192,7 +20265,7 @@
           <a:p>
             <a:r>
               <a:rPr lang="en-US" dirty="0"/>
-              <a:t>Verification: Getting it Right</a:t>
+              <a:t>HW1</a:t>
             </a:r>
           </a:p>
         </p:txBody>
@@ -20202,7 +20275,7 @@
           <p:cNvPr id="3" name="Content Placeholder 2">
             <a:extLst>
               <a:ext uri="{FF2B5EF4-FFF2-40B4-BE49-F238E27FC236}">
-                <a16:creationId xmlns:a16="http://schemas.microsoft.com/office/drawing/2014/main" id="{BAA0C7B0-CCB6-4F01-8F72-B04C780CC211}"/>
+                <a16:creationId xmlns:a16="http://schemas.microsoft.com/office/drawing/2014/main" id="{DC155D1B-A6F1-322F-7661-AFF8BC278733}"/>
               </a:ext>
             </a:extLst>
           </p:cNvPr>
@@ -20220,89 +20293,56 @@
           <a:p>
             <a:r>
               <a:rPr lang="en-US" dirty="0"/>
-              <a:t>Types can prevent some bugs. Are all bugs preventable?</a:t>
-            </a:r>
-          </a:p>
-          <a:p>
-            <a:r>
-              <a:rPr lang="en-US" dirty="0"/>
-              <a:t>Several research approaches:</a:t>
-            </a:r>
-          </a:p>
-          <a:p>
-            <a:pPr marL="658368" lvl="1" indent="-457200">
+              <a:t>Homework 1 is released</a:t>
+            </a:r>
+          </a:p>
+          <a:p>
+            <a:pPr marL="457200" indent="-457200">
               <a:buFont typeface="+mj-lt"/>
               <a:buAutoNum type="arabicPeriod"/>
             </a:pPr>
             <a:r>
               <a:rPr lang="en-US" dirty="0"/>
-              <a:t>Fancy type systems</a:t>
-            </a:r>
-          </a:p>
-          <a:p>
-            <a:pPr marL="658368" lvl="1" indent="-457200">
+              <a:t>Install the Rust programming language and Visual Studio Code editor/plugin</a:t>
+            </a:r>
+          </a:p>
+          <a:p>
+            <a:pPr marL="457200" indent="-457200">
               <a:buFont typeface="+mj-lt"/>
               <a:buAutoNum type="arabicPeriod"/>
             </a:pPr>
             <a:r>
               <a:rPr lang="en-US" dirty="0"/>
-              <a:t>Theorem-proving: state and prove theorems about programs</a:t>
-            </a:r>
-          </a:p>
-          <a:p>
-            <a:pPr marL="658368" lvl="1" indent="-457200">
+              <a:t>Coding: Write 9 short Rust functions to learn the fundamentals of the language</a:t>
+            </a:r>
+            <a:br>
+              <a:rPr lang="en-US" dirty="0"/>
+            </a:br>
+            <a:r>
+              <a:rPr lang="en-US" b="1" dirty="0"/>
+              <a:t>Next lecture is all about Rust</a:t>
+            </a:r>
+            <a:r>
+              <a:rPr lang="en-US" dirty="0"/>
+              <a:t> – you may want to wait, or read ahead</a:t>
+            </a:r>
+          </a:p>
+          <a:p>
+            <a:pPr marL="457200" indent="-457200">
               <a:buFont typeface="+mj-lt"/>
               <a:buAutoNum type="arabicPeriod"/>
             </a:pPr>
             <a:r>
               <a:rPr lang="en-US" dirty="0"/>
-              <a:t>Model-checking: explore program automatically</a:t>
-            </a:r>
-          </a:p>
-          <a:p>
-            <a:pPr marL="201168" lvl="1" indent="0">
-              <a:buNone/>
-            </a:pPr>
-            <a:r>
-              <a:rPr lang="en-US" b="1" dirty="0"/>
-              <a:t>This is out-of-scope for CS 4536 and CS 536. If you are interested in this topic, see the many external references listed in the book or chat with the instructor</a:t>
-            </a:r>
-          </a:p>
-        </p:txBody>
-      </p:sp>
-      <p:sp>
-        <p:nvSpPr>
-          <p:cNvPr id="4" name="Slide Number Placeholder 3">
-            <a:extLst>
-              <a:ext uri="{FF2B5EF4-FFF2-40B4-BE49-F238E27FC236}">
-                <a16:creationId xmlns:a16="http://schemas.microsoft.com/office/drawing/2014/main" id="{75818508-CA06-447B-AD01-053B2893784C}"/>
-              </a:ext>
-            </a:extLst>
-          </p:cNvPr>
-          <p:cNvSpPr>
-            <a:spLocks noGrp="1"/>
-          </p:cNvSpPr>
-          <p:nvPr>
-            <p:ph type="sldNum" sz="quarter" idx="12"/>
-          </p:nvPr>
-        </p:nvSpPr>
-        <p:spPr/>
-        <p:txBody>
-          <a:bodyPr/>
-          <a:lstStyle/>
-          <a:p>
-            <a:fld id="{35FEF863-E852-4BEF-80E4-638F599BECAC}" type="slidenum">
-              <a:rPr lang="en-US" smtClean="0"/>
-              <a:t>57</a:t>
-            </a:fld>
-            <a:endParaRPr lang="en-US"/>
+              <a:t>Written: Identify your learning goals and reflect on your past programming experience</a:t>
+            </a:r>
           </a:p>
         </p:txBody>
       </p:sp>
     </p:spTree>
     <p:extLst>
       <p:ext uri="{BB962C8B-B14F-4D97-AF65-F5344CB8AC3E}">
-        <p14:creationId xmlns:p14="http://schemas.microsoft.com/office/powerpoint/2010/main" val="1853480601"/>
+        <p14:creationId xmlns:p14="http://schemas.microsoft.com/office/powerpoint/2010/main" val="1570369780"/>
       </p:ext>
     </p:extLst>
   </p:cSld>
@@ -20334,7 +20374,7 @@
           <p:cNvPr id="2" name="Title 1">
             <a:extLst>
               <a:ext uri="{FF2B5EF4-FFF2-40B4-BE49-F238E27FC236}">
-                <a16:creationId xmlns:a16="http://schemas.microsoft.com/office/drawing/2014/main" id="{F4561D7E-2622-4654-B452-5303F2220044}"/>
+                <a16:creationId xmlns:a16="http://schemas.microsoft.com/office/drawing/2014/main" id="{D26934B2-FDC6-EDBD-B557-52767684D52A}"/>
               </a:ext>
             </a:extLst>
           </p:cNvPr>
@@ -20345,19 +20385,14 @@
             <p:ph type="title"/>
           </p:nvPr>
         </p:nvSpPr>
-        <p:spPr>
-          <a:xfrm>
-            <a:off x="1097279" y="286603"/>
-            <a:ext cx="10349654" cy="1450757"/>
-          </a:xfrm>
-        </p:spPr>
+        <p:spPr/>
         <p:txBody>
           <a:bodyPr/>
           <a:lstStyle/>
           <a:p>
             <a:r>
               <a:rPr lang="en-US" dirty="0"/>
-              <a:t>Happy Programs (This is Not a Real Thing)</a:t>
+              <a:t>Rust: What and Why?</a:t>
             </a:r>
           </a:p>
         </p:txBody>
@@ -20367,7 +20402,7 @@
           <p:cNvPr id="3" name="Content Placeholder 2">
             <a:extLst>
               <a:ext uri="{FF2B5EF4-FFF2-40B4-BE49-F238E27FC236}">
-                <a16:creationId xmlns:a16="http://schemas.microsoft.com/office/drawing/2014/main" id="{A295F6F0-C731-4CD3-9325-13EB6105C27F}"/>
+                <a16:creationId xmlns:a16="http://schemas.microsoft.com/office/drawing/2014/main" id="{1B333D92-52E2-AC3A-EC2A-205EBFCD52AD}"/>
               </a:ext>
             </a:extLst>
           </p:cNvPr>
@@ -20384,105 +20419,70 @@
           <a:lstStyle/>
           <a:p>
             <a:r>
-              <a:rPr lang="en-US" dirty="0"/>
-              <a:t>Science can tell us </a:t>
-            </a:r>
-            <a:r>
-              <a:rPr lang="en-US" i="1" dirty="0"/>
-              <a:t>a lot</a:t>
-            </a:r>
-            <a:r>
-              <a:rPr lang="en-US" dirty="0"/>
-              <a:t> about programs, but it cannot do everything.</a:t>
-            </a:r>
-          </a:p>
-          <a:p>
-            <a:r>
-              <a:rPr lang="en-US" dirty="0"/>
-              <a:t>In addition to correctness, we might ask ourselves:</a:t>
-            </a:r>
-          </a:p>
-          <a:p>
-            <a:pPr lvl="1"/>
-            <a:r>
-              <a:rPr lang="en-US" dirty="0"/>
-              <a:t>Does this code feel natural to me?</a:t>
-            </a:r>
-          </a:p>
-          <a:p>
-            <a:pPr lvl="1"/>
-            <a:r>
-              <a:rPr lang="en-US" dirty="0"/>
-              <a:t>Is it pretty?</a:t>
-            </a:r>
-          </a:p>
-          <a:p>
-            <a:pPr lvl="1"/>
-            <a:r>
-              <a:rPr lang="en-US" dirty="0"/>
-              <a:t>Do I want to maintain this code for 10 years?</a:t>
-            </a:r>
-          </a:p>
-          <a:p>
-            <a:pPr lvl="1"/>
-            <a:r>
-              <a:rPr lang="en-US" dirty="0"/>
-              <a:t>Can I explain it to a coworker?</a:t>
-            </a:r>
-          </a:p>
-          <a:p>
-            <a:pPr lvl="1"/>
-            <a:endParaRPr lang="en-US" dirty="0"/>
-          </a:p>
-          <a:p>
-            <a:pPr marL="201168" lvl="1" indent="0">
+              <a:rPr lang="en-US" b="1" dirty="0"/>
+              <a:t>What:</a:t>
+            </a:r>
+            <a:r>
+              <a:rPr lang="en-US" dirty="0"/>
+              <a:t> Introduced in 2015, Rust is a strongly-typed programming language which is meant to be suitable for systems programming. Its defining feature is the idea of ownership in the type system, which supports efficient-yet-safe compilers, especially efficient memory management</a:t>
+            </a:r>
+          </a:p>
+          <a:p>
+            <a:r>
+              <a:rPr lang="en-US" b="1" dirty="0"/>
+              <a:t>Why:</a:t>
+            </a:r>
+          </a:p>
+          <a:p>
+            <a:pPr marL="457200" indent="-457200">
+              <a:buFont typeface="+mj-lt"/>
+              <a:buAutoNum type="arabicPeriod"/>
+            </a:pPr>
+            <a:r>
+              <a:rPr lang="en-US" dirty="0"/>
+              <a:t>Rust is growing in popularity. There is a decent chance that it will be useful in your career</a:t>
+            </a:r>
+          </a:p>
+          <a:p>
+            <a:pPr marL="457200" indent="-457200">
+              <a:buFont typeface="+mj-lt"/>
+              <a:buAutoNum type="arabicPeriod"/>
+            </a:pPr>
+            <a:r>
+              <a:rPr lang="en-US" dirty="0"/>
+              <a:t>Rust is a major success story about transferring academic ideas about PL into practice</a:t>
+            </a:r>
+          </a:p>
+          <a:p>
+            <a:pPr marL="457200" indent="-457200">
+              <a:buFont typeface="+mj-lt"/>
+              <a:buAutoNum type="arabicPeriod"/>
+            </a:pPr>
+            <a:r>
+              <a:rPr lang="en-US" dirty="0"/>
+              <a:t>Static typing and recursive data types, though not unique to Rust, are essential for the programming tasks we wish to perform</a:t>
+            </a:r>
+          </a:p>
+          <a:p>
+            <a:pPr marL="0" indent="0">
               <a:buNone/>
             </a:pPr>
             <a:r>
               <a:rPr lang="en-US" b="1" dirty="0"/>
-              <a:t>The Social Scientist helps identify the best way to ask these questions, then how </a:t>
-            </a:r>
-            <a:r>
-              <a:rPr lang="en-US" b="1"/>
-              <a:t>to answer them</a:t>
+              <a:t>Recommended environment: </a:t>
+            </a:r>
+            <a:r>
+              <a:rPr lang="en-US" dirty="0"/>
+              <a:t>Visual Studio Code and its Rust plugin. See HW1 handout for instructions on setting the environment up</a:t>
             </a:r>
             <a:endParaRPr lang="en-US" b="1" dirty="0"/>
-          </a:p>
-        </p:txBody>
-      </p:sp>
-      <p:sp>
-        <p:nvSpPr>
-          <p:cNvPr id="4" name="Slide Number Placeholder 3">
-            <a:extLst>
-              <a:ext uri="{FF2B5EF4-FFF2-40B4-BE49-F238E27FC236}">
-                <a16:creationId xmlns:a16="http://schemas.microsoft.com/office/drawing/2014/main" id="{A08ECF01-2DA0-4007-BCB4-B88CD1E351A4}"/>
-              </a:ext>
-            </a:extLst>
-          </p:cNvPr>
-          <p:cNvSpPr>
-            <a:spLocks noGrp="1"/>
-          </p:cNvSpPr>
-          <p:nvPr>
-            <p:ph type="sldNum" sz="quarter" idx="12"/>
-          </p:nvPr>
-        </p:nvSpPr>
-        <p:spPr/>
-        <p:txBody>
-          <a:bodyPr/>
-          <a:lstStyle/>
-          <a:p>
-            <a:fld id="{35FEF863-E852-4BEF-80E4-638F599BECAC}" type="slidenum">
-              <a:rPr lang="en-US" smtClean="0"/>
-              <a:t>58</a:t>
-            </a:fld>
-            <a:endParaRPr lang="en-US"/>
           </a:p>
         </p:txBody>
       </p:sp>
     </p:spTree>
     <p:extLst>
       <p:ext uri="{BB962C8B-B14F-4D97-AF65-F5344CB8AC3E}">
-        <p14:creationId xmlns:p14="http://schemas.microsoft.com/office/powerpoint/2010/main" val="2079213807"/>
+        <p14:creationId xmlns:p14="http://schemas.microsoft.com/office/powerpoint/2010/main" val="3575335903"/>
       </p:ext>
     </p:extLst>
   </p:cSld>

--- a/LectureSlides/01Intro.pptx
+++ b/LectureSlides/01Intro.pptx
@@ -244,7 +244,7 @@
           <a:p>
             <a:fld id="{D9E906F7-199C-4005-BED3-7480F24382BA}" type="datetimeFigureOut">
               <a:rPr lang="en-US" smtClean="0"/>
-              <a:t>12/20/2024</a:t>
+              <a:t>1/17/2025</a:t>
             </a:fld>
             <a:endParaRPr lang="en-US"/>
           </a:p>
@@ -737,7 +737,7 @@
           <a:p>
             <a:fld id="{A54C855F-DD0A-4AC8-AB91-7E5741CEA872}" type="datetime1">
               <a:rPr lang="en-US" smtClean="0"/>
-              <a:t>12/20/2024</a:t>
+              <a:t>1/17/2025</a:t>
             </a:fld>
             <a:endParaRPr lang="en-US"/>
           </a:p>
@@ -945,7 +945,7 @@
           <a:p>
             <a:fld id="{7A8498DF-EA63-46F7-8B78-3A5A21A6E833}" type="datetime1">
               <a:rPr lang="en-US" smtClean="0"/>
-              <a:t>12/20/2024</a:t>
+              <a:t>1/17/2025</a:t>
             </a:fld>
             <a:endParaRPr lang="en-US"/>
           </a:p>
@@ -1201,7 +1201,7 @@
           <a:p>
             <a:fld id="{51621671-8A9F-4082-A0BD-92E13A9B4C2E}" type="datetime1">
               <a:rPr lang="en-US" smtClean="0"/>
-              <a:t>12/20/2024</a:t>
+              <a:t>1/17/2025</a:t>
             </a:fld>
             <a:endParaRPr lang="en-US"/>
           </a:p>
@@ -1371,7 +1371,7 @@
           <a:p>
             <a:fld id="{C2A8D26C-19E1-47BD-B578-225DBAAA10A7}" type="datetime1">
               <a:rPr lang="en-US" smtClean="0"/>
-              <a:t>12/20/2024</a:t>
+              <a:t>1/17/2025</a:t>
             </a:fld>
             <a:endParaRPr lang="en-US"/>
           </a:p>
@@ -1714,7 +1714,7 @@
           <a:p>
             <a:fld id="{9160CE92-0112-4421-B799-3EB92114B984}" type="datetime1">
               <a:rPr lang="en-US" smtClean="0"/>
-              <a:t>12/20/2024</a:t>
+              <a:t>1/17/2025</a:t>
             </a:fld>
             <a:endParaRPr lang="en-US"/>
           </a:p>
@@ -1989,7 +1989,7 @@
           <a:p>
             <a:fld id="{F5822050-FAE6-4E01-A217-E85384BB24FC}" type="datetime1">
               <a:rPr lang="en-US" smtClean="0"/>
-              <a:t>12/20/2024</a:t>
+              <a:t>1/17/2025</a:t>
             </a:fld>
             <a:endParaRPr lang="en-US"/>
           </a:p>
@@ -2368,7 +2368,7 @@
           <a:p>
             <a:fld id="{272D8874-3442-448E-A7B9-21AB7338227E}" type="datetime1">
               <a:rPr lang="en-US" smtClean="0"/>
-              <a:t>12/20/2024</a:t>
+              <a:t>1/17/2025</a:t>
             </a:fld>
             <a:endParaRPr lang="en-US"/>
           </a:p>
@@ -2486,7 +2486,7 @@
           <a:p>
             <a:fld id="{B50B3543-C2F8-4B0A-BD3E-4DA52CC2F9FD}" type="datetime1">
               <a:rPr lang="en-US" smtClean="0"/>
-              <a:t>12/20/2024</a:t>
+              <a:t>1/17/2025</a:t>
             </a:fld>
             <a:endParaRPr lang="en-US"/>
           </a:p>
@@ -2657,7 +2657,7 @@
           <a:p>
             <a:fld id="{E53A30F1-D766-4A27-8B30-3104F5335620}" type="datetime1">
               <a:rPr lang="en-US" smtClean="0"/>
-              <a:t>12/20/2024</a:t>
+              <a:t>1/17/2025</a:t>
             </a:fld>
             <a:endParaRPr lang="en-US"/>
           </a:p>
@@ -3011,7 +3011,7 @@
           <a:p>
             <a:fld id="{9D29A554-945D-45C8-A369-428771BB0E33}" type="datetime1">
               <a:rPr lang="en-US" smtClean="0"/>
-              <a:t>12/20/2024</a:t>
+              <a:t>1/17/2025</a:t>
             </a:fld>
             <a:endParaRPr lang="en-US"/>
           </a:p>
@@ -3388,7 +3388,7 @@
           <a:p>
             <a:fld id="{0A96C986-FB1F-4E9E-82B9-ED6B936EB30C}" type="datetime1">
               <a:rPr lang="en-US" smtClean="0"/>
-              <a:t>12/20/2024</a:t>
+              <a:t>1/17/2025</a:t>
             </a:fld>
             <a:endParaRPr lang="en-US"/>
           </a:p>
@@ -3675,7 +3675,7 @@
           <a:p>
             <a:fld id="{4CE9BBC2-A6DF-4F34-B5E2-6CA64998CFAB}" type="datetime1">
               <a:rPr lang="en-US" smtClean="0"/>
-              <a:t>12/20/2024</a:t>
+              <a:t>1/17/2025</a:t>
             </a:fld>
             <a:endParaRPr lang="en-US"/>
           </a:p>
@@ -4601,7 +4601,7 @@
           <p:nvPr>
             <p:extLst>
               <p:ext uri="{D42A27DB-BD31-4B8C-83A1-F6EECF244321}">
-                <p14:modId xmlns:p14="http://schemas.microsoft.com/office/powerpoint/2010/main" val="2280430185"/>
+                <p14:modId xmlns:p14="http://schemas.microsoft.com/office/powerpoint/2010/main" val="532378002"/>
               </p:ext>
             </p:extLst>
           </p:nvPr>
@@ -6647,7 +6647,7 @@
                           <a:spcPct val="107000"/>
                         </a:lnSpc>
                       </a:pPr>
-                      <a:endParaRPr lang="en-US" sz="1500">
+                      <a:endParaRPr lang="en-US" sz="1500" dirty="0">
                         <a:effectLst/>
                         <a:latin typeface="Calibri" panose="020F0502020204030204" pitchFamily="34" charset="0"/>
                         <a:cs typeface="Times New Roman" panose="02020603050405020304" pitchFamily="18" charset="0"/>
@@ -6666,11 +6666,14 @@
                           <a:spcPct val="107000"/>
                         </a:lnSpc>
                       </a:pPr>
-                      <a:endParaRPr lang="en-US" sz="1500" dirty="0">
-                        <a:effectLst/>
-                        <a:latin typeface="Calibri" panose="020F0502020204030204" pitchFamily="34" charset="0"/>
-                        <a:cs typeface="Times New Roman" panose="02020603050405020304" pitchFamily="18" charset="0"/>
-                      </a:endParaRPr>
+                      <a:r>
+                        <a:rPr lang="en-US" sz="1500" b="1" dirty="0">
+                          <a:effectLst/>
+                          <a:latin typeface="Calibri" panose="020F0502020204030204" pitchFamily="34" charset="0"/>
+                          <a:cs typeface="Times New Roman" panose="02020603050405020304" pitchFamily="18" charset="0"/>
+                        </a:rPr>
+                        <a:t>ON LEAVE</a:t>
+                      </a:r>
                     </a:p>
                   </a:txBody>
                   <a:tcPr marL="92435" marR="92435" marT="0" marB="0" anchor="b"/>
@@ -6798,11 +6801,14 @@
                           <a:spcPct val="107000"/>
                         </a:lnSpc>
                       </a:pPr>
-                      <a:endParaRPr lang="en-US" sz="1500" dirty="0">
-                        <a:effectLst/>
-                        <a:latin typeface="Calibri" panose="020F0502020204030204" pitchFamily="34" charset="0"/>
-                        <a:cs typeface="Times New Roman" panose="02020603050405020304" pitchFamily="18" charset="0"/>
-                      </a:endParaRPr>
+                      <a:r>
+                        <a:rPr lang="en-US" sz="1500" b="1" dirty="0">
+                          <a:effectLst/>
+                          <a:latin typeface="Calibri" panose="020F0502020204030204" pitchFamily="34" charset="0"/>
+                          <a:cs typeface="Times New Roman" panose="02020603050405020304" pitchFamily="18" charset="0"/>
+                        </a:rPr>
+                        <a:t>ON LEAVE</a:t>
+                      </a:r>
                     </a:p>
                   </a:txBody>
                   <a:tcPr marL="92435" marR="92435" marT="0" marB="0" anchor="b"/>
@@ -6832,14 +6838,14 @@
           <p:nvPr>
             <p:extLst>
               <p:ext uri="{D42A27DB-BD31-4B8C-83A1-F6EECF244321}">
-                <p14:modId xmlns:p14="http://schemas.microsoft.com/office/powerpoint/2010/main" val="3817238834"/>
+                <p14:modId xmlns:p14="http://schemas.microsoft.com/office/powerpoint/2010/main" val="2358392299"/>
               </p:ext>
             </p:extLst>
           </p:nvPr>
         </p:nvGraphicFramePr>
         <p:xfrm>
           <a:off x="6280460" y="1772278"/>
-          <a:ext cx="4932023" cy="3833625"/>
+          <a:ext cx="5121967" cy="4056396"/>
         </p:xfrm>
         <a:graphic>
           <a:graphicData uri="http://schemas.openxmlformats.org/drawingml/2006/table">
@@ -6848,35 +6854,35 @@
                 <a:tableStyleId>{5C22544A-7EE6-4342-B048-85BDC9FD1C3A}</a:tableStyleId>
               </a:tblPr>
               <a:tblGrid>
-                <a:gridCol w="438559">
+                <a:gridCol w="455449">
                   <a:extLst>
                     <a:ext uri="{9D8B030D-6E8A-4147-A177-3AD203B41FA5}">
                       <a16:colId xmlns:a16="http://schemas.microsoft.com/office/drawing/2014/main" val="3945798746"/>
                     </a:ext>
                   </a:extLst>
                 </a:gridCol>
-                <a:gridCol w="1781193">
+                <a:gridCol w="1849791">
                   <a:extLst>
                     <a:ext uri="{9D8B030D-6E8A-4147-A177-3AD203B41FA5}">
                       <a16:colId xmlns:a16="http://schemas.microsoft.com/office/drawing/2014/main" val="380285226"/>
                     </a:ext>
                   </a:extLst>
                 </a:gridCol>
-                <a:gridCol w="769151">
+                <a:gridCol w="798773">
                   <a:extLst>
                     <a:ext uri="{9D8B030D-6E8A-4147-A177-3AD203B41FA5}">
                       <a16:colId xmlns:a16="http://schemas.microsoft.com/office/drawing/2014/main" val="2235371214"/>
                     </a:ext>
                   </a:extLst>
                 </a:gridCol>
-                <a:gridCol w="931079">
+                <a:gridCol w="693178">
                   <a:extLst>
                     <a:ext uri="{9D8B030D-6E8A-4147-A177-3AD203B41FA5}">
                       <a16:colId xmlns:a16="http://schemas.microsoft.com/office/drawing/2014/main" val="2711040752"/>
                     </a:ext>
                   </a:extLst>
                 </a:gridCol>
-                <a:gridCol w="1012041">
+                <a:gridCol w="1324776">
                   <a:extLst>
                     <a:ext uri="{9D8B030D-6E8A-4147-A177-3AD203B41FA5}">
                       <a16:colId xmlns:a16="http://schemas.microsoft.com/office/drawing/2014/main" val="2335351231"/>
@@ -7163,11 +7169,14 @@
                           <a:spcPct val="107000"/>
                         </a:lnSpc>
                       </a:pPr>
-                      <a:endParaRPr lang="en-US" sz="1500" dirty="0">
-                        <a:effectLst/>
-                        <a:latin typeface="Calibri" panose="020F0502020204030204" pitchFamily="34" charset="0"/>
-                        <a:cs typeface="Times New Roman" panose="02020603050405020304" pitchFamily="18" charset="0"/>
-                      </a:endParaRPr>
+                      <a:r>
+                        <a:rPr lang="en-US" sz="1500" b="1" dirty="0">
+                          <a:effectLst/>
+                          <a:latin typeface="Calibri" panose="020F0502020204030204" pitchFamily="34" charset="0"/>
+                          <a:cs typeface="Times New Roman" panose="02020603050405020304" pitchFamily="18" charset="0"/>
+                        </a:rPr>
+                        <a:t>ON LEAVE</a:t>
+                      </a:r>
                     </a:p>
                   </a:txBody>
                   <a:tcPr marL="92006" marR="92006" marT="0" marB="0" anchor="b"/>
@@ -8677,12 +8686,12 @@
                         </a:spcAft>
                       </a:pPr>
                       <a:r>
-                        <a:rPr lang="en-US" sz="1300">
+                        <a:rPr lang="en-US" sz="1300" b="1" dirty="0">
                           <a:effectLst/>
                         </a:rPr>
-                        <a:t> </a:t>
+                        <a:t>TRAVELING</a:t>
                       </a:r>
-                      <a:endParaRPr lang="en-US" sz="1500">
+                      <a:endParaRPr lang="en-US" sz="1500" b="1" dirty="0">
                         <a:effectLst/>
                         <a:latin typeface="Calibri" panose="020F0502020204030204" pitchFamily="34" charset="0"/>
                         <a:ea typeface="DengXian" panose="02010600030101010101" pitchFamily="2" charset="-122"/>
@@ -8829,12 +8838,12 @@
                         </a:spcAft>
                       </a:pPr>
                       <a:r>
-                        <a:rPr lang="en-US" sz="1300">
+                        <a:rPr lang="en-US" sz="1300" b="1" dirty="0">
                           <a:effectLst/>
                         </a:rPr>
-                        <a:t> </a:t>
+                        <a:t>TRAVELING</a:t>
                       </a:r>
-                      <a:endParaRPr lang="en-US" sz="1500">
+                      <a:endParaRPr lang="en-US" sz="1500" b="1" dirty="0">
                         <a:effectLst/>
                         <a:latin typeface="Calibri" panose="020F0502020204030204" pitchFamily="34" charset="0"/>
                         <a:ea typeface="DengXian" panose="02010600030101010101" pitchFamily="2" charset="-122"/>
@@ -8981,12 +8990,12 @@
                         </a:spcAft>
                       </a:pPr>
                       <a:r>
-                        <a:rPr lang="en-US" sz="1300">
+                        <a:rPr lang="en-US" sz="1300" dirty="0">
                           <a:effectLst/>
                         </a:rPr>
                         <a:t> </a:t>
                       </a:r>
-                      <a:endParaRPr lang="en-US" sz="1500">
+                      <a:endParaRPr lang="en-US" sz="1500" dirty="0">
                         <a:effectLst/>
                         <a:latin typeface="Calibri" panose="020F0502020204030204" pitchFamily="34" charset="0"/>
                         <a:ea typeface="DengXian" panose="02010600030101010101" pitchFamily="2" charset="-122"/>
@@ -19185,13 +19194,8 @@
             </a:pPr>
             <a:r>
               <a:rPr lang="en-US" b="1" dirty="0"/>
-              <a:t>The Social Scientist helps identify the best way to ask these questions, then how </a:t>
-            </a:r>
-            <a:r>
-              <a:rPr lang="en-US" b="1"/>
-              <a:t>to answer them</a:t>
-            </a:r>
-            <a:endParaRPr lang="en-US" b="1" dirty="0"/>
+              <a:t>The Social Scientist helps identify the best way to ask these questions, then how to answer them</a:t>
+            </a:r>
           </a:p>
         </p:txBody>
       </p:sp>
